--- a/Office Docs/13 Functions.pptx
+++ b/Office Docs/13 Functions.pptx
@@ -5,7 +5,7 @@
     <p:sldMasterId id="2147483660" r:id="rId1"/>
   </p:sldMasterIdLst>
   <p:notesMasterIdLst>
-    <p:notesMasterId r:id="rId22"/>
+    <p:notesMasterId r:id="rId25"/>
   </p:notesMasterIdLst>
   <p:sldIdLst>
     <p:sldId id="256" r:id="rId2"/>
@@ -13,21 +13,24 @@
     <p:sldId id="270" r:id="rId4"/>
     <p:sldId id="271" r:id="rId5"/>
     <p:sldId id="272" r:id="rId6"/>
-    <p:sldId id="257" r:id="rId7"/>
-    <p:sldId id="258" r:id="rId8"/>
-    <p:sldId id="259" r:id="rId9"/>
-    <p:sldId id="260" r:id="rId10"/>
-    <p:sldId id="266" r:id="rId11"/>
-    <p:sldId id="261" r:id="rId12"/>
-    <p:sldId id="262" r:id="rId13"/>
-    <p:sldId id="273" r:id="rId14"/>
-    <p:sldId id="267" r:id="rId15"/>
-    <p:sldId id="263" r:id="rId16"/>
-    <p:sldId id="274" r:id="rId17"/>
-    <p:sldId id="268" r:id="rId18"/>
-    <p:sldId id="265" r:id="rId19"/>
-    <p:sldId id="264" r:id="rId20"/>
-    <p:sldId id="275" r:id="rId21"/>
+    <p:sldId id="276" r:id="rId7"/>
+    <p:sldId id="257" r:id="rId8"/>
+    <p:sldId id="258" r:id="rId9"/>
+    <p:sldId id="259" r:id="rId10"/>
+    <p:sldId id="260" r:id="rId11"/>
+    <p:sldId id="266" r:id="rId12"/>
+    <p:sldId id="277" r:id="rId13"/>
+    <p:sldId id="261" r:id="rId14"/>
+    <p:sldId id="262" r:id="rId15"/>
+    <p:sldId id="273" r:id="rId16"/>
+    <p:sldId id="267" r:id="rId17"/>
+    <p:sldId id="278" r:id="rId18"/>
+    <p:sldId id="263" r:id="rId19"/>
+    <p:sldId id="274" r:id="rId20"/>
+    <p:sldId id="268" r:id="rId21"/>
+    <p:sldId id="265" r:id="rId22"/>
+    <p:sldId id="264" r:id="rId23"/>
+    <p:sldId id="275" r:id="rId24"/>
   </p:sldIdLst>
   <p:sldSz cx="12192000" cy="6858000"/>
   <p:notesSz cx="6858000" cy="9144000"/>
@@ -219,7 +222,7 @@
           <a:p>
             <a:fld id="{D5F030BA-0DD9-42DD-AB95-75BCAB20A903}" type="datetimeFigureOut">
               <a:rPr lang="en-US"/>
-              <a:t>9/19/2014</a:t>
+              <a:t>9/24/2014</a:t>
             </a:fld>
             <a:endParaRPr lang="en-US"/>
           </a:p>
@@ -635,7 +638,7 @@
           <a:p>
             <a:fld id="{FB04A976-930B-4DBC-9B2B-8CB6DD11F9A6}" type="slidenum">
               <a:rPr lang="en-US"/>
-              <a:t>12</a:t>
+              <a:t>14</a:t>
             </a:fld>
             <a:endParaRPr lang="en-US"/>
           </a:p>
@@ -719,7 +722,7 @@
           <a:p>
             <a:fld id="{FB04A976-930B-4DBC-9B2B-8CB6DD11F9A6}" type="slidenum">
               <a:rPr lang="en-US"/>
-              <a:t>14</a:t>
+              <a:t>16</a:t>
             </a:fld>
             <a:endParaRPr lang="en-US"/>
           </a:p>
@@ -803,7 +806,7 @@
           <a:p>
             <a:fld id="{FB04A976-930B-4DBC-9B2B-8CB6DD11F9A6}" type="slidenum">
               <a:rPr lang="en-US"/>
-              <a:t>15</a:t>
+              <a:t>18</a:t>
             </a:fld>
             <a:endParaRPr lang="en-US"/>
           </a:p>
@@ -887,7 +890,7 @@
           <a:p>
             <a:fld id="{FB04A976-930B-4DBC-9B2B-8CB6DD11F9A6}" type="slidenum">
               <a:rPr lang="en-US"/>
-              <a:t>16</a:t>
+              <a:t>19</a:t>
             </a:fld>
             <a:endParaRPr lang="en-US"/>
           </a:p>
@@ -971,7 +974,7 @@
           <a:p>
             <a:fld id="{FB04A976-930B-4DBC-9B2B-8CB6DD11F9A6}" type="slidenum">
               <a:rPr lang="en-US"/>
-              <a:t>17</a:t>
+              <a:t>20</a:t>
             </a:fld>
             <a:endParaRPr lang="en-US"/>
           </a:p>
@@ -1055,7 +1058,7 @@
           <a:p>
             <a:fld id="{FB04A976-930B-4DBC-9B2B-8CB6DD11F9A6}" type="slidenum">
               <a:rPr lang="en-US"/>
-              <a:t>18</a:t>
+              <a:t>21</a:t>
             </a:fld>
             <a:endParaRPr lang="en-US"/>
           </a:p>
@@ -1139,7 +1142,7 @@
           <a:p>
             <a:fld id="{FB04A976-930B-4DBC-9B2B-8CB6DD11F9A6}" type="slidenum">
               <a:rPr lang="en-US"/>
-              <a:t>19</a:t>
+              <a:t>22</a:t>
             </a:fld>
             <a:endParaRPr lang="en-US"/>
           </a:p>
@@ -1223,7 +1226,7 @@
           <a:p>
             <a:fld id="{FB04A976-930B-4DBC-9B2B-8CB6DD11F9A6}" type="slidenum">
               <a:rPr lang="en-US"/>
-              <a:t>20</a:t>
+              <a:t>23</a:t>
             </a:fld>
             <a:endParaRPr lang="en-US"/>
           </a:p>
@@ -1475,7 +1478,7 @@
           <a:p>
             <a:fld id="{FB04A976-930B-4DBC-9B2B-8CB6DD11F9A6}" type="slidenum">
               <a:rPr lang="en-US"/>
-              <a:t>6</a:t>
+              <a:t>7</a:t>
             </a:fld>
             <a:endParaRPr lang="en-US"/>
           </a:p>
@@ -1559,7 +1562,7 @@
           <a:p>
             <a:fld id="{FB04A976-930B-4DBC-9B2B-8CB6DD11F9A6}" type="slidenum">
               <a:rPr lang="en-US"/>
-              <a:t>7</a:t>
+              <a:t>8</a:t>
             </a:fld>
             <a:endParaRPr lang="en-US"/>
           </a:p>
@@ -1643,7 +1646,7 @@
           <a:p>
             <a:fld id="{FB04A976-930B-4DBC-9B2B-8CB6DD11F9A6}" type="slidenum">
               <a:rPr lang="en-US"/>
-              <a:t>8</a:t>
+              <a:t>9</a:t>
             </a:fld>
             <a:endParaRPr lang="en-US"/>
           </a:p>
@@ -1727,7 +1730,7 @@
           <a:p>
             <a:fld id="{FB04A976-930B-4DBC-9B2B-8CB6DD11F9A6}" type="slidenum">
               <a:rPr lang="en-US"/>
-              <a:t>9</a:t>
+              <a:t>10</a:t>
             </a:fld>
             <a:endParaRPr lang="en-US"/>
           </a:p>
@@ -1811,7 +1814,7 @@
           <a:p>
             <a:fld id="{FB04A976-930B-4DBC-9B2B-8CB6DD11F9A6}" type="slidenum">
               <a:rPr lang="en-US"/>
-              <a:t>10</a:t>
+              <a:t>11</a:t>
             </a:fld>
             <a:endParaRPr lang="en-US"/>
           </a:p>
@@ -1895,7 +1898,7 @@
           <a:p>
             <a:fld id="{FB04A976-930B-4DBC-9B2B-8CB6DD11F9A6}" type="slidenum">
               <a:rPr lang="en-US"/>
-              <a:t>11</a:t>
+              <a:t>13</a:t>
             </a:fld>
             <a:endParaRPr lang="en-US"/>
           </a:p>
@@ -3517,11 +3520,11 @@
   <p:clrMapOvr>
     <a:masterClrMapping/>
   </p:clrMapOvr>
-  <mc:AlternateContent xmlns:mc="http://schemas.openxmlformats.org/markup-compatibility/2006">
-    <mc:Choice xmlns:p14="http://schemas.microsoft.com/office/powerpoint/2010/main" Requires="p14">
+  <mc:AlternateContent xmlns:mc="http://schemas.openxmlformats.org/markup-compatibility/2006" xmlns:p14="http://schemas.microsoft.com/office/powerpoint/2010/main">
+    <mc:Choice Requires="p14">
       <p:transition spd="slow" p14:dur="2000"/>
     </mc:Choice>
-    <mc:Fallback>
+    <mc:Fallback xmlns="">
       <p:transition spd="slow"/>
     </mc:Fallback>
   </mc:AlternateContent>
@@ -3999,22 +4002,236 @@
           <a:lstStyle/>
           <a:p>
             <a:r>
-              <a:rPr lang="en-US"/>
-              <a:t>Creating and calling functions</a:t>
-            </a:r>
+              <a:rPr lang="en-US" dirty="0" smtClean="0"/>
+              <a:t>How do you call a function?</a:t>
+            </a:r>
+            <a:endParaRPr lang="en-US" dirty="0"/>
+          </a:p>
+        </p:txBody>
+      </p:sp>
+      <p:sp>
+        <p:nvSpPr>
+          <p:cNvPr id="3" name="Content Placeholder 2"/>
+          <p:cNvSpPr>
+            <a:spLocks noGrp="1"/>
+          </p:cNvSpPr>
+          <p:nvPr>
+            <p:ph sz="quarter" idx="10"/>
+          </p:nvPr>
+        </p:nvSpPr>
+        <p:spPr/>
+        <p:txBody>
+          <a:bodyPr/>
+          <a:lstStyle/>
+          <a:p>
+            <a:r>
+              <a:rPr lang="en-US" dirty="0" smtClean="0"/>
+              <a:t>Simply use its name</a:t>
+            </a:r>
+            <a:endParaRPr lang="en-US" dirty="0"/>
+          </a:p>
+        </p:txBody>
+      </p:sp>
+      <p:sp>
+        <p:nvSpPr>
+          <p:cNvPr id="4" name="Rectangle 3"/>
+          <p:cNvSpPr/>
+          <p:nvPr/>
+        </p:nvSpPr>
+        <p:spPr>
+          <a:xfrm>
+            <a:off x="6320118" y="4431845"/>
+            <a:ext cx="5583828" cy="2246769"/>
+          </a:xfrm>
+          <a:prstGeom prst="rect">
+            <a:avLst/>
+          </a:prstGeom>
+        </p:spPr>
+        <p:txBody>
+          <a:bodyPr wrap="square">
+            <a:spAutoFit/>
+          </a:bodyPr>
+          <a:lstStyle/>
+          <a:p>
+            <a:r>
+              <a:rPr lang="en-US" sz="2800" dirty="0" err="1">
+                <a:solidFill>
+                  <a:srgbClr val="0000FF"/>
+                </a:solidFill>
+                <a:highlight>
+                  <a:srgbClr val="FFFFFF"/>
+                </a:highlight>
+                <a:latin typeface="Consolas" panose="020B0609020204030204" pitchFamily="49" charset="0"/>
+              </a:rPr>
+              <a:t>def</a:t>
+            </a:r>
+            <a:r>
+              <a:rPr lang="en-US" sz="2800" dirty="0">
+                <a:solidFill>
+                  <a:srgbClr val="000000"/>
+                </a:solidFill>
+                <a:highlight>
+                  <a:srgbClr val="FFFFFF"/>
+                </a:highlight>
+                <a:latin typeface="Consolas" panose="020B0609020204030204" pitchFamily="49" charset="0"/>
+              </a:rPr>
+              <a:t> </a:t>
+            </a:r>
+            <a:r>
+              <a:rPr lang="en-US" sz="2800" dirty="0" err="1">
+                <a:solidFill>
+                  <a:srgbClr val="000000"/>
+                </a:solidFill>
+                <a:highlight>
+                  <a:srgbClr val="FFFFFF"/>
+                </a:highlight>
+                <a:latin typeface="Consolas" panose="020B0609020204030204" pitchFamily="49" charset="0"/>
+              </a:rPr>
+              <a:t>printMessage</a:t>
+            </a:r>
+            <a:r>
+              <a:rPr lang="en-US" sz="2800" dirty="0">
+                <a:solidFill>
+                  <a:srgbClr val="000000"/>
+                </a:solidFill>
+                <a:highlight>
+                  <a:srgbClr val="FFFFFF"/>
+                </a:highlight>
+                <a:latin typeface="Consolas" panose="020B0609020204030204" pitchFamily="49" charset="0"/>
+              </a:rPr>
+              <a:t>():</a:t>
+            </a:r>
+          </a:p>
+          <a:p>
+            <a:r>
+              <a:rPr lang="en-US" sz="2800" dirty="0">
+                <a:solidFill>
+                  <a:srgbClr val="000000"/>
+                </a:solidFill>
+                <a:highlight>
+                  <a:srgbClr val="FFFFFF"/>
+                </a:highlight>
+                <a:latin typeface="Consolas" panose="020B0609020204030204" pitchFamily="49" charset="0"/>
+              </a:rPr>
+              <a:t>    print(</a:t>
+            </a:r>
+            <a:r>
+              <a:rPr lang="en-US" sz="2800" dirty="0">
+                <a:solidFill>
+                  <a:srgbClr val="A31515"/>
+                </a:solidFill>
+                <a:highlight>
+                  <a:srgbClr val="FFFFFF"/>
+                </a:highlight>
+                <a:latin typeface="Consolas" panose="020B0609020204030204" pitchFamily="49" charset="0"/>
+              </a:rPr>
+              <a:t>'Hello World'</a:t>
+            </a:r>
+            <a:r>
+              <a:rPr lang="en-US" sz="2800" dirty="0">
+                <a:solidFill>
+                  <a:srgbClr val="000000"/>
+                </a:solidFill>
+                <a:highlight>
+                  <a:srgbClr val="FFFFFF"/>
+                </a:highlight>
+                <a:latin typeface="Consolas" panose="020B0609020204030204" pitchFamily="49" charset="0"/>
+              </a:rPr>
+              <a:t>)</a:t>
+            </a:r>
+          </a:p>
+          <a:p>
+            <a:r>
+              <a:rPr lang="en-US" sz="2800" dirty="0">
+                <a:solidFill>
+                  <a:srgbClr val="000000"/>
+                </a:solidFill>
+                <a:highlight>
+                  <a:srgbClr val="FFFFFF"/>
+                </a:highlight>
+                <a:latin typeface="Consolas" panose="020B0609020204030204" pitchFamily="49" charset="0"/>
+              </a:rPr>
+              <a:t>    </a:t>
+            </a:r>
+            <a:r>
+              <a:rPr lang="en-US" sz="2800" dirty="0">
+                <a:solidFill>
+                  <a:srgbClr val="0000FF"/>
+                </a:solidFill>
+                <a:highlight>
+                  <a:srgbClr val="FFFFFF"/>
+                </a:highlight>
+                <a:latin typeface="Consolas" panose="020B0609020204030204" pitchFamily="49" charset="0"/>
+              </a:rPr>
+              <a:t>return</a:t>
+            </a:r>
+            <a:endParaRPr lang="en-US" sz="2800" dirty="0">
+              <a:solidFill>
+                <a:srgbClr val="000000"/>
+              </a:solidFill>
+              <a:highlight>
+                <a:srgbClr val="FFFFFF"/>
+              </a:highlight>
+              <a:latin typeface="Consolas" panose="020B0609020204030204" pitchFamily="49" charset="0"/>
+            </a:endParaRPr>
+          </a:p>
+          <a:p>
+            <a:endParaRPr lang="en-US" sz="2800" dirty="0">
+              <a:solidFill>
+                <a:srgbClr val="000000"/>
+              </a:solidFill>
+              <a:highlight>
+                <a:srgbClr val="FFFFFF"/>
+              </a:highlight>
+              <a:latin typeface="Consolas" panose="020B0609020204030204" pitchFamily="49" charset="0"/>
+            </a:endParaRPr>
+          </a:p>
+          <a:p>
+            <a:r>
+              <a:rPr lang="en-US" sz="2800" dirty="0" err="1">
+                <a:solidFill>
+                  <a:srgbClr val="000000"/>
+                </a:solidFill>
+                <a:highlight>
+                  <a:srgbClr val="FFFFFF"/>
+                </a:highlight>
+                <a:latin typeface="Consolas" panose="020B0609020204030204" pitchFamily="49" charset="0"/>
+              </a:rPr>
+              <a:t>printMessage</a:t>
+            </a:r>
+            <a:r>
+              <a:rPr lang="en-US" sz="2800" dirty="0">
+                <a:solidFill>
+                  <a:srgbClr val="000000"/>
+                </a:solidFill>
+                <a:highlight>
+                  <a:srgbClr val="FFFFFF"/>
+                </a:highlight>
+                <a:latin typeface="Consolas" panose="020B0609020204030204" pitchFamily="49" charset="0"/>
+              </a:rPr>
+              <a:t>()</a:t>
+            </a:r>
+            <a:endParaRPr lang="en-US" sz="2800" dirty="0"/>
           </a:p>
         </p:txBody>
       </p:sp>
     </p:spTree>
     <p:extLst>
       <p:ext uri="{BB962C8B-B14F-4D97-AF65-F5344CB8AC3E}">
-        <p14:creationId xmlns:p14="http://schemas.microsoft.com/office/powerpoint/2010/main" val="2527904623"/>
+        <p14:creationId xmlns:p14="http://schemas.microsoft.com/office/powerpoint/2010/main" val="1455366226"/>
       </p:ext>
     </p:extLst>
   </p:cSld>
   <p:clrMapOvr>
     <a:masterClrMapping/>
   </p:clrMapOvr>
+  <p:timing>
+    <p:tnLst>
+      <p:par>
+        <p:cTn id="1" dur="indefinite" restart="never" nodeType="tmRoot"/>
+      </p:par>
+    </p:tnLst>
+  </p:timing>
 </p:sld>
 </file>
 
@@ -4051,6 +4268,135 @@
           <a:lstStyle/>
           <a:p>
             <a:r>
+              <a:rPr lang="en-US"/>
+              <a:t>Creating and calling functions</a:t>
+            </a:r>
+          </a:p>
+        </p:txBody>
+      </p:sp>
+    </p:spTree>
+    <p:extLst>
+      <p:ext uri="{BB962C8B-B14F-4D97-AF65-F5344CB8AC3E}">
+        <p14:creationId xmlns:p14="http://schemas.microsoft.com/office/powerpoint/2010/main" val="2527904623"/>
+      </p:ext>
+    </p:extLst>
+  </p:cSld>
+  <p:clrMapOvr>
+    <a:masterClrMapping/>
+  </p:clrMapOvr>
+</p:sld>
+</file>
+
+<file path=ppt/slides/slide12.xml><?xml version="1.0" encoding="utf-8"?>
+<p:sld xmlns:a="http://schemas.openxmlformats.org/drawingml/2006/main" xmlns:r="http://schemas.openxmlformats.org/officeDocument/2006/relationships" xmlns:p="http://schemas.openxmlformats.org/presentationml/2006/main">
+  <p:cSld>
+    <p:spTree>
+      <p:nvGrpSpPr>
+        <p:cNvPr id="1" name=""/>
+        <p:cNvGrpSpPr/>
+        <p:nvPr/>
+      </p:nvGrpSpPr>
+      <p:grpSpPr>
+        <a:xfrm>
+          <a:off x="0" y="0"/>
+          <a:ext cx="0" cy="0"/>
+          <a:chOff x="0" y="0"/>
+          <a:chExt cx="0" cy="0"/>
+        </a:xfrm>
+      </p:grpSpPr>
+      <p:sp>
+        <p:nvSpPr>
+          <p:cNvPr id="5" name="Subtitle 4"/>
+          <p:cNvSpPr>
+            <a:spLocks noGrp="1"/>
+          </p:cNvSpPr>
+          <p:nvPr>
+            <p:ph type="subTitle" idx="1"/>
+          </p:nvPr>
+        </p:nvSpPr>
+        <p:spPr/>
+        <p:txBody>
+          <a:bodyPr/>
+          <a:lstStyle/>
+          <a:p>
+            <a:endParaRPr lang="en-US"/>
+          </a:p>
+        </p:txBody>
+      </p:sp>
+      <p:sp>
+        <p:nvSpPr>
+          <p:cNvPr id="4" name="Title 3"/>
+          <p:cNvSpPr>
+            <a:spLocks noGrp="1"/>
+          </p:cNvSpPr>
+          <p:nvPr>
+            <p:ph type="ctrTitle"/>
+          </p:nvPr>
+        </p:nvSpPr>
+        <p:spPr>
+          <a:xfrm>
+            <a:off x="193271" y="3693695"/>
+            <a:ext cx="8579886" cy="1325253"/>
+          </a:xfrm>
+        </p:spPr>
+        <p:txBody>
+          <a:bodyPr/>
+          <a:lstStyle/>
+          <a:p>
+            <a:r>
+              <a:rPr lang="en-US" sz="4000" dirty="0" smtClean="0"/>
+              <a:t>Parameters</a:t>
+            </a:r>
+            <a:endParaRPr lang="en-US" sz="4000" dirty="0"/>
+          </a:p>
+        </p:txBody>
+      </p:sp>
+    </p:spTree>
+    <p:extLst>
+      <p:ext uri="{BB962C8B-B14F-4D97-AF65-F5344CB8AC3E}">
+        <p14:creationId xmlns:p14="http://schemas.microsoft.com/office/powerpoint/2010/main" val="1294833733"/>
+      </p:ext>
+    </p:extLst>
+  </p:cSld>
+  <p:clrMapOvr>
+    <a:masterClrMapping/>
+  </p:clrMapOvr>
+</p:sld>
+</file>
+
+<file path=ppt/slides/slide13.xml><?xml version="1.0" encoding="utf-8"?>
+<p:sld xmlns:a="http://schemas.openxmlformats.org/drawingml/2006/main" xmlns:r="http://schemas.openxmlformats.org/officeDocument/2006/relationships" xmlns:p="http://schemas.openxmlformats.org/presentationml/2006/main">
+  <p:cSld>
+    <p:spTree>
+      <p:nvGrpSpPr>
+        <p:cNvPr id="1" name=""/>
+        <p:cNvGrpSpPr/>
+        <p:nvPr/>
+      </p:nvGrpSpPr>
+      <p:grpSpPr>
+        <a:xfrm>
+          <a:off x="0" y="0"/>
+          <a:ext cx="0" cy="0"/>
+          <a:chOff x="0" y="0"/>
+          <a:chExt cx="0" cy="0"/>
+        </a:xfrm>
+      </p:grpSpPr>
+      <p:sp>
+        <p:nvSpPr>
+          <p:cNvPr id="2" name="Title 1"/>
+          <p:cNvSpPr>
+            <a:spLocks noGrp="1"/>
+          </p:cNvSpPr>
+          <p:nvPr>
+            <p:ph type="title"/>
+          </p:nvPr>
+        </p:nvSpPr>
+        <p:spPr/>
+        <p:txBody>
+          <a:bodyPr/>
+          <a:lstStyle/>
+          <a:p>
+            <a:r>
               <a:rPr lang="en-US" dirty="0" smtClean="0"/>
               <a:t>I'd like to the function to be dynamic</a:t>
             </a:r>
@@ -4134,7 +4480,7 @@
 </p:sld>
 </file>
 
-<file path=ppt/slides/slide12.xml><?xml version="1.0" encoding="utf-8"?>
+<file path=ppt/slides/slide14.xml><?xml version="1.0" encoding="utf-8"?>
 <p:sld xmlns:a="http://schemas.openxmlformats.org/drawingml/2006/main" xmlns:r="http://schemas.openxmlformats.org/officeDocument/2006/relationships" xmlns:p="http://schemas.openxmlformats.org/presentationml/2006/main">
   <p:cSld>
     <p:spTree>
@@ -4833,515 +5179,6 @@
 </p:sld>
 </file>
 
-<file path=ppt/slides/slide13.xml><?xml version="1.0" encoding="utf-8"?>
-<p:sld xmlns:a="http://schemas.openxmlformats.org/drawingml/2006/main" xmlns:r="http://schemas.openxmlformats.org/officeDocument/2006/relationships" xmlns:p="http://schemas.openxmlformats.org/presentationml/2006/main">
-  <p:cSld>
-    <p:spTree>
-      <p:nvGrpSpPr>
-        <p:cNvPr id="1" name=""/>
-        <p:cNvGrpSpPr/>
-        <p:nvPr/>
-      </p:nvGrpSpPr>
-      <p:grpSpPr>
-        <a:xfrm>
-          <a:off x="0" y="0"/>
-          <a:ext cx="0" cy="0"/>
-          <a:chOff x="0" y="0"/>
-          <a:chExt cx="0" cy="0"/>
-        </a:xfrm>
-      </p:grpSpPr>
-      <p:sp>
-        <p:nvSpPr>
-          <p:cNvPr id="2" name="Title 1"/>
-          <p:cNvSpPr>
-            <a:spLocks noGrp="1"/>
-          </p:cNvSpPr>
-          <p:nvPr>
-            <p:ph type="title"/>
-          </p:nvPr>
-        </p:nvSpPr>
-        <p:spPr/>
-        <p:txBody>
-          <a:bodyPr/>
-          <a:lstStyle/>
-          <a:p>
-            <a:r>
-              <a:rPr lang="en-US" dirty="0" smtClean="0"/>
-              <a:t>What about multiple parameters?</a:t>
-            </a:r>
-            <a:endParaRPr lang="en-US" dirty="0"/>
-          </a:p>
-        </p:txBody>
-      </p:sp>
-      <p:sp>
-        <p:nvSpPr>
-          <p:cNvPr id="3" name="Content Placeholder 2"/>
-          <p:cNvSpPr>
-            <a:spLocks noGrp="1"/>
-          </p:cNvSpPr>
-          <p:nvPr>
-            <p:ph sz="quarter" idx="10"/>
-          </p:nvPr>
-        </p:nvSpPr>
-        <p:spPr/>
-        <p:txBody>
-          <a:bodyPr/>
-          <a:lstStyle/>
-          <a:p>
-            <a:r>
-              <a:rPr lang="en-US" dirty="0" smtClean="0"/>
-              <a:t>Simply add them in, separated by commas</a:t>
-            </a:r>
-            <a:endParaRPr lang="en-US" dirty="0"/>
-          </a:p>
-        </p:txBody>
-      </p:sp>
-      <p:sp>
-        <p:nvSpPr>
-          <p:cNvPr id="4" name="Rectangle 3"/>
-          <p:cNvSpPr/>
-          <p:nvPr/>
-        </p:nvSpPr>
-        <p:spPr>
-          <a:xfrm>
-            <a:off x="5588000" y="3955626"/>
-            <a:ext cx="6604000" cy="2308324"/>
-          </a:xfrm>
-          <a:prstGeom prst="rect">
-            <a:avLst/>
-          </a:prstGeom>
-        </p:spPr>
-        <p:txBody>
-          <a:bodyPr wrap="square">
-            <a:spAutoFit/>
-          </a:bodyPr>
-          <a:lstStyle/>
-          <a:p>
-            <a:r>
-              <a:rPr lang="en-US" sz="2400" dirty="0" err="1">
-                <a:solidFill>
-                  <a:srgbClr val="0000FF"/>
-                </a:solidFill>
-                <a:highlight>
-                  <a:srgbClr val="FFFFFF"/>
-                </a:highlight>
-                <a:latin typeface="Consolas" panose="020B0609020204030204" pitchFamily="49" charset="0"/>
-              </a:rPr>
-              <a:t>def</a:t>
-            </a:r>
-            <a:r>
-              <a:rPr lang="en-US" sz="2400" dirty="0">
-                <a:solidFill>
-                  <a:srgbClr val="000000"/>
-                </a:solidFill>
-                <a:highlight>
-                  <a:srgbClr val="FFFFFF"/>
-                </a:highlight>
-                <a:latin typeface="Consolas" panose="020B0609020204030204" pitchFamily="49" charset="0"/>
-              </a:rPr>
-              <a:t> </a:t>
-            </a:r>
-            <a:r>
-              <a:rPr lang="en-US" sz="2400" dirty="0" err="1" smtClean="0">
-                <a:solidFill>
-                  <a:srgbClr val="000000"/>
-                </a:solidFill>
-                <a:highlight>
-                  <a:srgbClr val="FFFFFF"/>
-                </a:highlight>
-                <a:latin typeface="Consolas" panose="020B0609020204030204" pitchFamily="49" charset="0"/>
-              </a:rPr>
-              <a:t>displayMessage</a:t>
-            </a:r>
-            <a:r>
-              <a:rPr lang="en-US" sz="2400" dirty="0" smtClean="0">
-                <a:solidFill>
-                  <a:srgbClr val="000000"/>
-                </a:solidFill>
-                <a:highlight>
-                  <a:srgbClr val="FFFFFF"/>
-                </a:highlight>
-                <a:latin typeface="Consolas" panose="020B0609020204030204" pitchFamily="49" charset="0"/>
-              </a:rPr>
-              <a:t>(</a:t>
-            </a:r>
-            <a:r>
-              <a:rPr lang="en-US" sz="2400" dirty="0" smtClean="0">
-                <a:solidFill>
-                  <a:srgbClr val="808080"/>
-                </a:solidFill>
-                <a:highlight>
-                  <a:srgbClr val="FFFFFF"/>
-                </a:highlight>
-                <a:latin typeface="Consolas" panose="020B0609020204030204" pitchFamily="49" charset="0"/>
-              </a:rPr>
-              <a:t>greeting</a:t>
-            </a:r>
-            <a:r>
-              <a:rPr lang="en-US" sz="2400" dirty="0">
-                <a:solidFill>
-                  <a:srgbClr val="000000"/>
-                </a:solidFill>
-                <a:highlight>
-                  <a:srgbClr val="FFFFFF"/>
-                </a:highlight>
-                <a:latin typeface="Consolas" panose="020B0609020204030204" pitchFamily="49" charset="0"/>
-              </a:rPr>
-              <a:t>, </a:t>
-            </a:r>
-            <a:r>
-              <a:rPr lang="en-US" sz="2400" dirty="0">
-                <a:solidFill>
-                  <a:srgbClr val="808080"/>
-                </a:solidFill>
-                <a:highlight>
-                  <a:srgbClr val="FFFFFF"/>
-                </a:highlight>
-                <a:latin typeface="Consolas" panose="020B0609020204030204" pitchFamily="49" charset="0"/>
-              </a:rPr>
-              <a:t>name</a:t>
-            </a:r>
-            <a:r>
-              <a:rPr lang="en-US" sz="2400" dirty="0">
-                <a:solidFill>
-                  <a:srgbClr val="000000"/>
-                </a:solidFill>
-                <a:highlight>
-                  <a:srgbClr val="FFFFFF"/>
-                </a:highlight>
-                <a:latin typeface="Consolas" panose="020B0609020204030204" pitchFamily="49" charset="0"/>
-              </a:rPr>
-              <a:t>):</a:t>
-            </a:r>
-          </a:p>
-          <a:p>
-            <a:r>
-              <a:rPr lang="en-US" sz="2400" dirty="0">
-                <a:solidFill>
-                  <a:srgbClr val="000000"/>
-                </a:solidFill>
-                <a:highlight>
-                  <a:srgbClr val="FFFFFF"/>
-                </a:highlight>
-                <a:latin typeface="Consolas" panose="020B0609020204030204" pitchFamily="49" charset="0"/>
-              </a:rPr>
-              <a:t>    message = </a:t>
-            </a:r>
-            <a:r>
-              <a:rPr lang="en-US" sz="2400" dirty="0">
-                <a:solidFill>
-                  <a:srgbClr val="808080"/>
-                </a:solidFill>
-                <a:highlight>
-                  <a:srgbClr val="FFFFFF"/>
-                </a:highlight>
-                <a:latin typeface="Consolas" panose="020B0609020204030204" pitchFamily="49" charset="0"/>
-              </a:rPr>
-              <a:t>greeting</a:t>
-            </a:r>
-            <a:r>
-              <a:rPr lang="en-US" sz="2400" dirty="0">
-                <a:solidFill>
-                  <a:srgbClr val="000000"/>
-                </a:solidFill>
-                <a:highlight>
-                  <a:srgbClr val="FFFFFF"/>
-                </a:highlight>
-                <a:latin typeface="Consolas" panose="020B0609020204030204" pitchFamily="49" charset="0"/>
-              </a:rPr>
-              <a:t> + </a:t>
-            </a:r>
-            <a:r>
-              <a:rPr lang="en-US" sz="2400" dirty="0">
-                <a:solidFill>
-                  <a:srgbClr val="A31515"/>
-                </a:solidFill>
-                <a:highlight>
-                  <a:srgbClr val="FFFFFF"/>
-                </a:highlight>
-                <a:latin typeface="Consolas" panose="020B0609020204030204" pitchFamily="49" charset="0"/>
-              </a:rPr>
-              <a:t>', '</a:t>
-            </a:r>
-            <a:r>
-              <a:rPr lang="en-US" sz="2400" dirty="0">
-                <a:solidFill>
-                  <a:srgbClr val="000000"/>
-                </a:solidFill>
-                <a:highlight>
-                  <a:srgbClr val="FFFFFF"/>
-                </a:highlight>
-                <a:latin typeface="Consolas" panose="020B0609020204030204" pitchFamily="49" charset="0"/>
-              </a:rPr>
-              <a:t> + </a:t>
-            </a:r>
-            <a:r>
-              <a:rPr lang="en-US" sz="2400" dirty="0" smtClean="0">
-                <a:solidFill>
-                  <a:srgbClr val="808080"/>
-                </a:solidFill>
-                <a:highlight>
-                  <a:srgbClr val="FFFFFF"/>
-                </a:highlight>
-                <a:latin typeface="Consolas" panose="020B0609020204030204" pitchFamily="49" charset="0"/>
-              </a:rPr>
-              <a:t>name</a:t>
-            </a:r>
-          </a:p>
-          <a:p>
-            <a:r>
-              <a:rPr lang="en-US" sz="2400" dirty="0">
-                <a:solidFill>
-                  <a:srgbClr val="808080"/>
-                </a:solidFill>
-                <a:highlight>
-                  <a:srgbClr val="FFFFFF"/>
-                </a:highlight>
-                <a:latin typeface="Consolas" panose="020B0609020204030204" pitchFamily="49" charset="0"/>
-              </a:rPr>
-              <a:t> </a:t>
-            </a:r>
-            <a:r>
-              <a:rPr lang="en-US" sz="2400" dirty="0" smtClean="0">
-                <a:solidFill>
-                  <a:srgbClr val="808080"/>
-                </a:solidFill>
-                <a:highlight>
-                  <a:srgbClr val="FFFFFF"/>
-                </a:highlight>
-                <a:latin typeface="Consolas" panose="020B0609020204030204" pitchFamily="49" charset="0"/>
-              </a:rPr>
-              <a:t>   </a:t>
-            </a:r>
-            <a:r>
-              <a:rPr lang="en-US" sz="2400" dirty="0">
-                <a:solidFill>
-                  <a:srgbClr val="000000"/>
-                </a:solidFill>
-                <a:highlight>
-                  <a:srgbClr val="FFFFFF"/>
-                </a:highlight>
-                <a:latin typeface="Consolas" panose="020B0609020204030204" pitchFamily="49" charset="0"/>
-              </a:rPr>
-              <a:t>print(</a:t>
-            </a:r>
-            <a:r>
-              <a:rPr lang="en-US" sz="2400" dirty="0">
-                <a:solidFill>
-                  <a:srgbClr val="808080"/>
-                </a:solidFill>
-                <a:highlight>
-                  <a:srgbClr val="FFFFFF"/>
-                </a:highlight>
-                <a:latin typeface="Consolas" panose="020B0609020204030204" pitchFamily="49" charset="0"/>
-              </a:rPr>
-              <a:t>message</a:t>
-            </a:r>
-            <a:r>
-              <a:rPr lang="en-US" sz="2400" dirty="0" smtClean="0">
-                <a:solidFill>
-                  <a:srgbClr val="000000"/>
-                </a:solidFill>
-                <a:highlight>
-                  <a:srgbClr val="FFFFFF"/>
-                </a:highlight>
-                <a:latin typeface="Consolas" panose="020B0609020204030204" pitchFamily="49" charset="0"/>
-              </a:rPr>
-              <a:t>)</a:t>
-            </a:r>
-          </a:p>
-          <a:p>
-            <a:r>
-              <a:rPr lang="en-US" sz="2400" dirty="0" smtClean="0">
-                <a:solidFill>
-                  <a:srgbClr val="000000"/>
-                </a:solidFill>
-                <a:highlight>
-                  <a:srgbClr val="FFFFFF"/>
-                </a:highlight>
-                <a:latin typeface="Consolas" panose="020B0609020204030204" pitchFamily="49" charset="0"/>
-              </a:rPr>
-              <a:t>    </a:t>
-            </a:r>
-            <a:r>
-              <a:rPr lang="en-US" sz="2400" dirty="0" smtClean="0">
-                <a:solidFill>
-                  <a:srgbClr val="0000FF"/>
-                </a:solidFill>
-                <a:highlight>
-                  <a:srgbClr val="FFFFFF"/>
-                </a:highlight>
-                <a:latin typeface="Consolas" panose="020B0609020204030204" pitchFamily="49" charset="0"/>
-              </a:rPr>
-              <a:t>return</a:t>
-            </a:r>
-            <a:endParaRPr lang="en-US" sz="2400" dirty="0" smtClean="0">
-              <a:highlight>
-                <a:srgbClr val="FFFFFF"/>
-              </a:highlight>
-            </a:endParaRPr>
-          </a:p>
-          <a:p>
-            <a:endParaRPr lang="en-US" sz="2400" dirty="0">
-              <a:solidFill>
-                <a:srgbClr val="0000FF"/>
-              </a:solidFill>
-              <a:highlight>
-                <a:srgbClr val="FFFFFF"/>
-              </a:highlight>
-              <a:latin typeface="Consolas" panose="020B0609020204030204" pitchFamily="49" charset="0"/>
-            </a:endParaRPr>
-          </a:p>
-          <a:p>
-            <a:r>
-              <a:rPr lang="en-US" sz="2400" dirty="0" err="1" smtClean="0">
-                <a:solidFill>
-                  <a:srgbClr val="000000"/>
-                </a:solidFill>
-                <a:highlight>
-                  <a:srgbClr val="FFFFFF"/>
-                </a:highlight>
-                <a:latin typeface="Consolas" panose="020B0609020204030204" pitchFamily="49" charset="0"/>
-              </a:rPr>
-              <a:t>displayMessage</a:t>
-            </a:r>
-            <a:r>
-              <a:rPr lang="en-US" sz="2400" dirty="0">
-                <a:solidFill>
-                  <a:srgbClr val="000000"/>
-                </a:solidFill>
-                <a:highlight>
-                  <a:srgbClr val="FFFFFF"/>
-                </a:highlight>
-                <a:latin typeface="Consolas" panose="020B0609020204030204" pitchFamily="49" charset="0"/>
-              </a:rPr>
-              <a:t>(</a:t>
-            </a:r>
-            <a:r>
-              <a:rPr lang="en-US" sz="2400" dirty="0">
-                <a:solidFill>
-                  <a:srgbClr val="A31515"/>
-                </a:solidFill>
-                <a:highlight>
-                  <a:srgbClr val="FFFFFF"/>
-                </a:highlight>
-                <a:latin typeface="Consolas" panose="020B0609020204030204" pitchFamily="49" charset="0"/>
-              </a:rPr>
-              <a:t>'Hi'</a:t>
-            </a:r>
-            <a:r>
-              <a:rPr lang="en-US" sz="2400" dirty="0">
-                <a:solidFill>
-                  <a:srgbClr val="000000"/>
-                </a:solidFill>
-                <a:highlight>
-                  <a:srgbClr val="FFFFFF"/>
-                </a:highlight>
-                <a:latin typeface="Consolas" panose="020B0609020204030204" pitchFamily="49" charset="0"/>
-              </a:rPr>
-              <a:t>, </a:t>
-            </a:r>
-            <a:r>
-              <a:rPr lang="en-US" sz="2400" dirty="0">
-                <a:solidFill>
-                  <a:srgbClr val="A31515"/>
-                </a:solidFill>
-                <a:highlight>
-                  <a:srgbClr val="FFFFFF"/>
-                </a:highlight>
-                <a:latin typeface="Consolas" panose="020B0609020204030204" pitchFamily="49" charset="0"/>
-              </a:rPr>
-              <a:t>'Christopher'</a:t>
-            </a:r>
-            <a:r>
-              <a:rPr lang="en-US" sz="2400" dirty="0">
-                <a:solidFill>
-                  <a:srgbClr val="000000"/>
-                </a:solidFill>
-                <a:highlight>
-                  <a:srgbClr val="FFFFFF"/>
-                </a:highlight>
-                <a:latin typeface="Consolas" panose="020B0609020204030204" pitchFamily="49" charset="0"/>
-              </a:rPr>
-              <a:t>)</a:t>
-            </a:r>
-            <a:endParaRPr lang="en-US" sz="2400" dirty="0" smtClean="0">
-              <a:solidFill>
-                <a:srgbClr val="0000FF"/>
-              </a:solidFill>
-              <a:highlight>
-                <a:srgbClr val="FFFFFF"/>
-              </a:highlight>
-              <a:latin typeface="Consolas" panose="020B0609020204030204" pitchFamily="49" charset="0"/>
-            </a:endParaRPr>
-          </a:p>
-        </p:txBody>
-      </p:sp>
-    </p:spTree>
-    <p:extLst>
-      <p:ext uri="{BB962C8B-B14F-4D97-AF65-F5344CB8AC3E}">
-        <p14:creationId xmlns:p14="http://schemas.microsoft.com/office/powerpoint/2010/main" val="2569656474"/>
-      </p:ext>
-    </p:extLst>
-  </p:cSld>
-  <p:clrMapOvr>
-    <a:masterClrMapping/>
-  </p:clrMapOvr>
-</p:sld>
-</file>
-
-<file path=ppt/slides/slide14.xml><?xml version="1.0" encoding="utf-8"?>
-<p:sld xmlns:a="http://schemas.openxmlformats.org/drawingml/2006/main" xmlns:r="http://schemas.openxmlformats.org/officeDocument/2006/relationships" xmlns:p="http://schemas.openxmlformats.org/presentationml/2006/main">
-  <p:cSld>
-    <p:spTree>
-      <p:nvGrpSpPr>
-        <p:cNvPr id="1" name=""/>
-        <p:cNvGrpSpPr/>
-        <p:nvPr/>
-      </p:nvGrpSpPr>
-      <p:grpSpPr>
-        <a:xfrm>
-          <a:off x="0" y="0"/>
-          <a:ext cx="0" cy="0"/>
-          <a:chOff x="0" y="0"/>
-          <a:chExt cx="0" cy="0"/>
-        </a:xfrm>
-      </p:grpSpPr>
-      <p:sp>
-        <p:nvSpPr>
-          <p:cNvPr id="2" name="Title 1"/>
-          <p:cNvSpPr>
-            <a:spLocks noGrp="1"/>
-          </p:cNvSpPr>
-          <p:nvPr>
-            <p:ph type="title"/>
-          </p:nvPr>
-        </p:nvSpPr>
-        <p:spPr/>
-        <p:txBody>
-          <a:bodyPr/>
-          <a:lstStyle/>
-          <a:p>
-            <a:r>
-              <a:rPr lang="en-US"/>
-              <a:t>Add input paramters</a:t>
-            </a:r>
-          </a:p>
-        </p:txBody>
-      </p:sp>
-    </p:spTree>
-    <p:extLst>
-      <p:ext uri="{BB962C8B-B14F-4D97-AF65-F5344CB8AC3E}">
-        <p14:creationId xmlns:p14="http://schemas.microsoft.com/office/powerpoint/2010/main" val="1730770823"/>
-      </p:ext>
-    </p:extLst>
-  </p:cSld>
-  <p:clrMapOvr>
-    <a:masterClrMapping/>
-  </p:clrMapOvr>
-</p:sld>
-</file>
-
 <file path=ppt/slides/slide15.xml><?xml version="1.0" encoding="utf-8"?>
 <p:sld xmlns:a="http://schemas.openxmlformats.org/drawingml/2006/main" xmlns:r="http://schemas.openxmlformats.org/officeDocument/2006/relationships" xmlns:p="http://schemas.openxmlformats.org/presentationml/2006/main">
   <p:cSld>
@@ -5376,7 +5213,7 @@
           <a:p>
             <a:r>
               <a:rPr lang="en-US" dirty="0" smtClean="0"/>
-              <a:t>Functions return data using the keyword return</a:t>
+              <a:t>What about multiple parameters?</a:t>
             </a:r>
             <a:endParaRPr lang="en-US" dirty="0"/>
           </a:p>
@@ -5399,13 +5236,7 @@
           <a:p>
             <a:r>
               <a:rPr lang="en-US" dirty="0" smtClean="0"/>
-              <a:t>Specify the value or data you want to pass back after the return keyword</a:t>
-            </a:r>
-          </a:p>
-          <a:p>
-            <a:r>
-              <a:rPr lang="en-US" dirty="0" smtClean="0"/>
-              <a:t>You can reuse names in different functions</a:t>
+              <a:t>Simply add them in, separated by commas</a:t>
             </a:r>
             <a:endParaRPr lang="en-US" dirty="0"/>
           </a:p>
@@ -5419,15 +5250,15 @@
         </p:nvSpPr>
         <p:spPr>
           <a:xfrm>
-            <a:off x="6096000" y="3035486"/>
-            <a:ext cx="6096000" cy="3785652"/>
+            <a:off x="5588000" y="3955626"/>
+            <a:ext cx="6604000" cy="2308324"/>
           </a:xfrm>
           <a:prstGeom prst="rect">
             <a:avLst/>
           </a:prstGeom>
         </p:spPr>
         <p:txBody>
-          <a:bodyPr>
+          <a:bodyPr wrap="square">
             <a:spAutoFit/>
           </a:bodyPr>
           <a:lstStyle/>
@@ -5457,7 +5288,7 @@
               <a:t> </a:t>
             </a:r>
             <a:r>
-              <a:rPr lang="en-US" sz="2400" dirty="0" err="1">
+              <a:rPr lang="en-US" sz="2400" dirty="0" err="1" smtClean="0">
                 <a:solidFill>
                   <a:srgbClr val="000000"/>
                 </a:solidFill>
@@ -5466,7 +5297,31 @@
                 </a:highlight>
                 <a:latin typeface="Consolas" panose="020B0609020204030204" pitchFamily="49" charset="0"/>
               </a:rPr>
-              <a:t>getMessage</a:t>
+              <a:t>displayMessage</a:t>
+            </a:r>
+            <a:r>
+              <a:rPr lang="en-US" sz="2400" dirty="0" smtClean="0">
+                <a:solidFill>
+                  <a:srgbClr val="000000"/>
+                </a:solidFill>
+                <a:highlight>
+                  <a:srgbClr val="FFFFFF"/>
+                </a:highlight>
+                <a:latin typeface="Consolas" panose="020B0609020204030204" pitchFamily="49" charset="0"/>
+              </a:rPr>
+              <a:t>(</a:t>
+            </a:r>
+            <a:r>
+              <a:rPr lang="en-US" sz="2400" dirty="0" smtClean="0">
+                <a:solidFill>
+                  <a:srgbClr val="808080"/>
+                </a:solidFill>
+                <a:highlight>
+                  <a:srgbClr val="FFFFFF"/>
+                </a:highlight>
+                <a:latin typeface="Consolas" panose="020B0609020204030204" pitchFamily="49" charset="0"/>
+              </a:rPr>
+              <a:t>greeting</a:t>
             </a:r>
             <a:r>
               <a:rPr lang="en-US" sz="2400" dirty="0">
@@ -5478,7 +5333,7 @@
                 </a:highlight>
                 <a:latin typeface="Consolas" panose="020B0609020204030204" pitchFamily="49" charset="0"/>
               </a:rPr>
-              <a:t>(</a:t>
+              <a:t>, </a:t>
             </a:r>
             <a:r>
               <a:rPr lang="en-US" sz="2400" dirty="0">
@@ -5521,6 +5376,30 @@
             <a:r>
               <a:rPr lang="en-US" sz="2400" dirty="0">
                 <a:solidFill>
+                  <a:srgbClr val="808080"/>
+                </a:solidFill>
+                <a:highlight>
+                  <a:srgbClr val="FFFFFF"/>
+                </a:highlight>
+                <a:latin typeface="Consolas" panose="020B0609020204030204" pitchFamily="49" charset="0"/>
+              </a:rPr>
+              <a:t>greeting</a:t>
+            </a:r>
+            <a:r>
+              <a:rPr lang="en-US" sz="2400" dirty="0">
+                <a:solidFill>
+                  <a:srgbClr val="000000"/>
+                </a:solidFill>
+                <a:highlight>
+                  <a:srgbClr val="FFFFFF"/>
+                </a:highlight>
+                <a:latin typeface="Consolas" panose="020B0609020204030204" pitchFamily="49" charset="0"/>
+              </a:rPr>
+              <a:t> + </a:t>
+            </a:r>
+            <a:r>
+              <a:rPr lang="en-US" sz="2400" dirty="0">
+                <a:solidFill>
                   <a:srgbClr val="A31515"/>
                 </a:solidFill>
                 <a:highlight>
@@ -5528,7 +5407,7 @@
                 </a:highlight>
                 <a:latin typeface="Consolas" panose="020B0609020204030204" pitchFamily="49" charset="0"/>
               </a:rPr>
-              <a:t>'Hello, '</a:t>
+              <a:t>', '</a:t>
             </a:r>
             <a:r>
               <a:rPr lang="en-US" sz="2400" dirty="0">
@@ -5543,6 +5422,20 @@
               <a:t> + </a:t>
             </a:r>
             <a:r>
+              <a:rPr lang="en-US" sz="2400" dirty="0" smtClean="0">
+                <a:solidFill>
+                  <a:srgbClr val="808080"/>
+                </a:solidFill>
+                <a:highlight>
+                  <a:srgbClr val="FFFFFF"/>
+                </a:highlight>
+                <a:latin typeface="Consolas" panose="020B0609020204030204" pitchFamily="49" charset="0"/>
+              </a:rPr>
+              <a:t>name</a:t>
+            </a:r>
+          </a:p>
+          <a:p>
+            <a:r>
               <a:rPr lang="en-US" sz="2400" dirty="0">
                 <a:solidFill>
                   <a:srgbClr val="808080"/>
@@ -5552,11 +5445,92 @@
                 </a:highlight>
                 <a:latin typeface="Consolas" panose="020B0609020204030204" pitchFamily="49" charset="0"/>
               </a:rPr>
-              <a:t>name</a:t>
-            </a:r>
+              <a:t> </a:t>
+            </a:r>
+            <a:r>
+              <a:rPr lang="en-US" sz="2400" dirty="0" smtClean="0">
+                <a:solidFill>
+                  <a:srgbClr val="808080"/>
+                </a:solidFill>
+                <a:highlight>
+                  <a:srgbClr val="FFFFFF"/>
+                </a:highlight>
+                <a:latin typeface="Consolas" panose="020B0609020204030204" pitchFamily="49" charset="0"/>
+              </a:rPr>
+              <a:t>   </a:t>
+            </a:r>
+            <a:r>
+              <a:rPr lang="en-US" sz="2400" dirty="0">
+                <a:solidFill>
+                  <a:srgbClr val="000000"/>
+                </a:solidFill>
+                <a:highlight>
+                  <a:srgbClr val="FFFFFF"/>
+                </a:highlight>
+                <a:latin typeface="Consolas" panose="020B0609020204030204" pitchFamily="49" charset="0"/>
+              </a:rPr>
+              <a:t>print(</a:t>
+            </a:r>
+            <a:r>
+              <a:rPr lang="en-US" sz="2400" dirty="0">
+                <a:solidFill>
+                  <a:srgbClr val="808080"/>
+                </a:solidFill>
+                <a:highlight>
+                  <a:srgbClr val="FFFFFF"/>
+                </a:highlight>
+                <a:latin typeface="Consolas" panose="020B0609020204030204" pitchFamily="49" charset="0"/>
+              </a:rPr>
+              <a:t>message</a:t>
+            </a:r>
+            <a:r>
+              <a:rPr lang="en-US" sz="2400" dirty="0" smtClean="0">
+                <a:solidFill>
+                  <a:srgbClr val="000000"/>
+                </a:solidFill>
+                <a:highlight>
+                  <a:srgbClr val="FFFFFF"/>
+                </a:highlight>
+                <a:latin typeface="Consolas" panose="020B0609020204030204" pitchFamily="49" charset="0"/>
+              </a:rPr>
+              <a:t>)</a:t>
+            </a:r>
+          </a:p>
+          <a:p>
+            <a:r>
+              <a:rPr lang="en-US" sz="2400" dirty="0" smtClean="0">
+                <a:solidFill>
+                  <a:srgbClr val="000000"/>
+                </a:solidFill>
+                <a:highlight>
+                  <a:srgbClr val="FFFFFF"/>
+                </a:highlight>
+                <a:latin typeface="Consolas" panose="020B0609020204030204" pitchFamily="49" charset="0"/>
+              </a:rPr>
+              <a:t>    </a:t>
+            </a:r>
+            <a:r>
+              <a:rPr lang="en-US" sz="2400" dirty="0" smtClean="0">
+                <a:solidFill>
+                  <a:srgbClr val="0000FF"/>
+                </a:solidFill>
+                <a:highlight>
+                  <a:srgbClr val="FFFFFF"/>
+                </a:highlight>
+                <a:latin typeface="Consolas" panose="020B0609020204030204" pitchFamily="49" charset="0"/>
+              </a:rPr>
+              <a:t>return</a:t>
+            </a:r>
+            <a:endParaRPr lang="en-US" sz="2400" dirty="0" smtClean="0">
+              <a:highlight>
+                <a:srgbClr val="FFFFFF"/>
+              </a:highlight>
+            </a:endParaRPr>
+          </a:p>
+          <a:p>
             <a:endParaRPr lang="en-US" sz="2400" dirty="0">
               <a:solidFill>
-                <a:srgbClr val="000000"/>
+                <a:srgbClr val="0000FF"/>
               </a:solidFill>
               <a:highlight>
                 <a:srgbClr val="FFFFFF"/>
@@ -5566,6 +5540,18 @@
           </a:p>
           <a:p>
             <a:r>
+              <a:rPr lang="en-US" sz="2400" dirty="0" err="1" smtClean="0">
+                <a:solidFill>
+                  <a:srgbClr val="000000"/>
+                </a:solidFill>
+                <a:highlight>
+                  <a:srgbClr val="FFFFFF"/>
+                </a:highlight>
+                <a:latin typeface="Consolas" panose="020B0609020204030204" pitchFamily="49" charset="0"/>
+              </a:rPr>
+              <a:t>displayMessage</a:t>
+            </a:r>
+            <a:r>
               <a:rPr lang="en-US" sz="2400" dirty="0">
                 <a:solidFill>
                   <a:srgbClr val="000000"/>
@@ -5575,19 +5561,19 @@
                 </a:highlight>
                 <a:latin typeface="Consolas" panose="020B0609020204030204" pitchFamily="49" charset="0"/>
               </a:rPr>
-              <a:t>    </a:t>
+              <a:t>(</a:t>
             </a:r>
             <a:r>
               <a:rPr lang="en-US" sz="2400" dirty="0">
                 <a:solidFill>
-                  <a:srgbClr val="0000FF"/>
-                </a:solidFill>
-                <a:highlight>
-                  <a:srgbClr val="FFFFFF"/>
-                </a:highlight>
-                <a:latin typeface="Consolas" panose="020B0609020204030204" pitchFamily="49" charset="0"/>
-              </a:rPr>
-              <a:t>return</a:t>
+                  <a:srgbClr val="A31515"/>
+                </a:solidFill>
+                <a:highlight>
+                  <a:srgbClr val="FFFFFF"/>
+                </a:highlight>
+                <a:latin typeface="Consolas" panose="020B0609020204030204" pitchFamily="49" charset="0"/>
+              </a:rPr>
+              <a:t>'Hi'</a:t>
             </a:r>
             <a:r>
               <a:rPr lang="en-US" sz="2400" dirty="0">
@@ -5599,13 +5585,35 @@
                 </a:highlight>
                 <a:latin typeface="Consolas" panose="020B0609020204030204" pitchFamily="49" charset="0"/>
               </a:rPr>
-              <a:t> message</a:t>
-            </a:r>
-          </a:p>
-          <a:p>
-            <a:endParaRPr lang="en-US" sz="2400" dirty="0">
+              <a:t>, </a:t>
+            </a:r>
+            <a:r>
+              <a:rPr lang="en-US" sz="2400" dirty="0">
+                <a:solidFill>
+                  <a:srgbClr val="A31515"/>
+                </a:solidFill>
+                <a:highlight>
+                  <a:srgbClr val="FFFFFF"/>
+                </a:highlight>
+                <a:latin typeface="Consolas" panose="020B0609020204030204" pitchFamily="49" charset="0"/>
+              </a:rPr>
+              <a:t>'Christopher'</a:t>
+            </a:r>
+            <a:r>
+              <a:rPr lang="en-US" sz="2400" dirty="0">
+                <a:solidFill>
+                  <a:srgbClr val="000000"/>
+                </a:solidFill>
+                <a:highlight>
+                  <a:srgbClr val="FFFFFF"/>
+                </a:highlight>
+                <a:latin typeface="Consolas" panose="020B0609020204030204" pitchFamily="49" charset="0"/>
+              </a:rPr>
+              <a:t>)</a:t>
+            </a:r>
+            <a:endParaRPr lang="en-US" sz="2400" dirty="0" smtClean="0">
               <a:solidFill>
-                <a:srgbClr val="000000"/>
+                <a:srgbClr val="0000FF"/>
               </a:solidFill>
               <a:highlight>
                 <a:srgbClr val="FFFFFF"/>
@@ -5613,272 +5621,18 @@
               <a:latin typeface="Consolas" panose="020B0609020204030204" pitchFamily="49" charset="0"/>
             </a:endParaRPr>
           </a:p>
-          <a:p>
-            <a:r>
-              <a:rPr lang="en-US" sz="2400" dirty="0" err="1">
-                <a:solidFill>
-                  <a:srgbClr val="0000FF"/>
-                </a:solidFill>
-                <a:highlight>
-                  <a:srgbClr val="FFFFFF"/>
-                </a:highlight>
-                <a:latin typeface="Consolas" panose="020B0609020204030204" pitchFamily="49" charset="0"/>
-              </a:rPr>
-              <a:t>def</a:t>
-            </a:r>
-            <a:r>
-              <a:rPr lang="en-US" sz="2400" dirty="0">
-                <a:solidFill>
-                  <a:srgbClr val="000000"/>
-                </a:solidFill>
-                <a:highlight>
-                  <a:srgbClr val="FFFFFF"/>
-                </a:highlight>
-                <a:latin typeface="Consolas" panose="020B0609020204030204" pitchFamily="49" charset="0"/>
-              </a:rPr>
-              <a:t> </a:t>
-            </a:r>
-            <a:r>
-              <a:rPr lang="en-US" sz="2400" dirty="0" err="1">
-                <a:solidFill>
-                  <a:srgbClr val="000000"/>
-                </a:solidFill>
-                <a:highlight>
-                  <a:srgbClr val="FFFFFF"/>
-                </a:highlight>
-                <a:latin typeface="Consolas" panose="020B0609020204030204" pitchFamily="49" charset="0"/>
-              </a:rPr>
-              <a:t>printMessage</a:t>
-            </a:r>
-            <a:r>
-              <a:rPr lang="en-US" sz="2400" dirty="0">
-                <a:solidFill>
-                  <a:srgbClr val="000000"/>
-                </a:solidFill>
-                <a:highlight>
-                  <a:srgbClr val="FFFFFF"/>
-                </a:highlight>
-                <a:latin typeface="Consolas" panose="020B0609020204030204" pitchFamily="49" charset="0"/>
-              </a:rPr>
-              <a:t>(</a:t>
-            </a:r>
-            <a:r>
-              <a:rPr lang="en-US" sz="2400" dirty="0">
-                <a:solidFill>
-                  <a:srgbClr val="808080"/>
-                </a:solidFill>
-                <a:highlight>
-                  <a:srgbClr val="FFFFFF"/>
-                </a:highlight>
-                <a:latin typeface="Consolas" panose="020B0609020204030204" pitchFamily="49" charset="0"/>
-              </a:rPr>
-              <a:t>message</a:t>
-            </a:r>
-            <a:r>
-              <a:rPr lang="en-US" sz="2400" dirty="0">
-                <a:solidFill>
-                  <a:srgbClr val="000000"/>
-                </a:solidFill>
-                <a:highlight>
-                  <a:srgbClr val="FFFFFF"/>
-                </a:highlight>
-                <a:latin typeface="Consolas" panose="020B0609020204030204" pitchFamily="49" charset="0"/>
-              </a:rPr>
-              <a:t>):</a:t>
-            </a:r>
-          </a:p>
-          <a:p>
-            <a:r>
-              <a:rPr lang="en-US" sz="2400" dirty="0">
-                <a:solidFill>
-                  <a:srgbClr val="000000"/>
-                </a:solidFill>
-                <a:highlight>
-                  <a:srgbClr val="FFFFFF"/>
-                </a:highlight>
-                <a:latin typeface="Consolas" panose="020B0609020204030204" pitchFamily="49" charset="0"/>
-              </a:rPr>
-              <a:t>    print(</a:t>
-            </a:r>
-            <a:r>
-              <a:rPr lang="en-US" sz="2400" dirty="0">
-                <a:solidFill>
-                  <a:srgbClr val="808080"/>
-                </a:solidFill>
-                <a:highlight>
-                  <a:srgbClr val="FFFFFF"/>
-                </a:highlight>
-                <a:latin typeface="Consolas" panose="020B0609020204030204" pitchFamily="49" charset="0"/>
-              </a:rPr>
-              <a:t>message</a:t>
-            </a:r>
-            <a:r>
-              <a:rPr lang="en-US" sz="2400" dirty="0">
-                <a:solidFill>
-                  <a:srgbClr val="000000"/>
-                </a:solidFill>
-                <a:highlight>
-                  <a:srgbClr val="FFFFFF"/>
-                </a:highlight>
-                <a:latin typeface="Consolas" panose="020B0609020204030204" pitchFamily="49" charset="0"/>
-              </a:rPr>
-              <a:t>)</a:t>
-            </a:r>
-          </a:p>
-          <a:p>
-            <a:r>
-              <a:rPr lang="en-US" sz="2400" dirty="0">
-                <a:solidFill>
-                  <a:srgbClr val="000000"/>
-                </a:solidFill>
-                <a:highlight>
-                  <a:srgbClr val="FFFFFF"/>
-                </a:highlight>
-                <a:latin typeface="Consolas" panose="020B0609020204030204" pitchFamily="49" charset="0"/>
-              </a:rPr>
-              <a:t>    </a:t>
-            </a:r>
-            <a:r>
-              <a:rPr lang="en-US" sz="2400" dirty="0">
-                <a:solidFill>
-                  <a:srgbClr val="0000FF"/>
-                </a:solidFill>
-                <a:highlight>
-                  <a:srgbClr val="FFFFFF"/>
-                </a:highlight>
-                <a:latin typeface="Consolas" panose="020B0609020204030204" pitchFamily="49" charset="0"/>
-              </a:rPr>
-              <a:t>return</a:t>
-            </a:r>
-            <a:endParaRPr lang="en-US" sz="2400" dirty="0">
-              <a:solidFill>
-                <a:srgbClr val="000000"/>
-              </a:solidFill>
-              <a:highlight>
-                <a:srgbClr val="FFFFFF"/>
-              </a:highlight>
-              <a:latin typeface="Consolas" panose="020B0609020204030204" pitchFamily="49" charset="0"/>
-            </a:endParaRPr>
-          </a:p>
-          <a:p>
-            <a:endParaRPr lang="en-US" sz="2400" dirty="0">
-              <a:solidFill>
-                <a:srgbClr val="000000"/>
-              </a:solidFill>
-              <a:highlight>
-                <a:srgbClr val="FFFFFF"/>
-              </a:highlight>
-              <a:latin typeface="Consolas" panose="020B0609020204030204" pitchFamily="49" charset="0"/>
-            </a:endParaRPr>
-          </a:p>
-          <a:p>
-            <a:r>
-              <a:rPr lang="en-US" sz="2400" dirty="0">
-                <a:solidFill>
-                  <a:srgbClr val="000000"/>
-                </a:solidFill>
-                <a:highlight>
-                  <a:srgbClr val="FFFFFF"/>
-                </a:highlight>
-                <a:latin typeface="Consolas" panose="020B0609020204030204" pitchFamily="49" charset="0"/>
-              </a:rPr>
-              <a:t>output = </a:t>
-            </a:r>
-            <a:r>
-              <a:rPr lang="en-US" sz="2400" dirty="0" err="1">
-                <a:solidFill>
-                  <a:srgbClr val="000000"/>
-                </a:solidFill>
-                <a:highlight>
-                  <a:srgbClr val="FFFFFF"/>
-                </a:highlight>
-                <a:latin typeface="Consolas" panose="020B0609020204030204" pitchFamily="49" charset="0"/>
-              </a:rPr>
-              <a:t>getMessage</a:t>
-            </a:r>
-            <a:r>
-              <a:rPr lang="en-US" sz="2400" dirty="0">
-                <a:solidFill>
-                  <a:srgbClr val="000000"/>
-                </a:solidFill>
-                <a:highlight>
-                  <a:srgbClr val="FFFFFF"/>
-                </a:highlight>
-                <a:latin typeface="Consolas" panose="020B0609020204030204" pitchFamily="49" charset="0"/>
-              </a:rPr>
-              <a:t>(</a:t>
-            </a:r>
-            <a:r>
-              <a:rPr lang="en-US" sz="2400" dirty="0">
-                <a:solidFill>
-                  <a:srgbClr val="A31515"/>
-                </a:solidFill>
-                <a:highlight>
-                  <a:srgbClr val="FFFFFF"/>
-                </a:highlight>
-                <a:latin typeface="Consolas" panose="020B0609020204030204" pitchFamily="49" charset="0"/>
-              </a:rPr>
-              <a:t>'Christopher'</a:t>
-            </a:r>
-            <a:r>
-              <a:rPr lang="en-US" sz="2400" dirty="0">
-                <a:solidFill>
-                  <a:srgbClr val="000000"/>
-                </a:solidFill>
-                <a:highlight>
-                  <a:srgbClr val="FFFFFF"/>
-                </a:highlight>
-                <a:latin typeface="Consolas" panose="020B0609020204030204" pitchFamily="49" charset="0"/>
-              </a:rPr>
-              <a:t>)</a:t>
-            </a:r>
-          </a:p>
-          <a:p>
-            <a:r>
-              <a:rPr lang="en-US" sz="2400" dirty="0" err="1">
-                <a:solidFill>
-                  <a:srgbClr val="000000"/>
-                </a:solidFill>
-                <a:highlight>
-                  <a:srgbClr val="FFFFFF"/>
-                </a:highlight>
-                <a:latin typeface="Consolas" panose="020B0609020204030204" pitchFamily="49" charset="0"/>
-              </a:rPr>
-              <a:t>printMessage</a:t>
-            </a:r>
-            <a:r>
-              <a:rPr lang="en-US" sz="2400" dirty="0">
-                <a:solidFill>
-                  <a:srgbClr val="000000"/>
-                </a:solidFill>
-                <a:highlight>
-                  <a:srgbClr val="FFFFFF"/>
-                </a:highlight>
-                <a:latin typeface="Consolas" panose="020B0609020204030204" pitchFamily="49" charset="0"/>
-              </a:rPr>
-              <a:t>(output)</a:t>
-            </a:r>
-            <a:endParaRPr lang="en-US" sz="2400" dirty="0"/>
-          </a:p>
         </p:txBody>
       </p:sp>
     </p:spTree>
     <p:extLst>
       <p:ext uri="{BB962C8B-B14F-4D97-AF65-F5344CB8AC3E}">
-        <p14:creationId xmlns:p14="http://schemas.microsoft.com/office/powerpoint/2010/main" val="9570791"/>
+        <p14:creationId xmlns:p14="http://schemas.microsoft.com/office/powerpoint/2010/main" val="2569656474"/>
       </p:ext>
     </p:extLst>
   </p:cSld>
   <p:clrMapOvr>
     <a:masterClrMapping/>
   </p:clrMapOvr>
-  <p:timing>
-    <p:tnLst>
-      <p:par>
-        <p:cTn id="1" dur="indefinite" restart="never" nodeType="tmRoot"/>
-      </p:par>
-    </p:tnLst>
-  </p:timing>
 </p:sld>
 </file>
 
@@ -5915,53 +5669,8 @@
           <a:lstStyle/>
           <a:p>
             <a:r>
-              <a:rPr lang="en-US" dirty="0" smtClean="0"/>
-              <a:t>Wait a minute...</a:t>
-            </a:r>
-            <a:endParaRPr lang="en-US" dirty="0"/>
-          </a:p>
-        </p:txBody>
-      </p:sp>
-      <p:sp>
-        <p:nvSpPr>
-          <p:cNvPr id="3" name="Content Placeholder 2"/>
-          <p:cNvSpPr>
-            <a:spLocks noGrp="1"/>
-          </p:cNvSpPr>
-          <p:nvPr>
-            <p:ph sz="quarter" idx="10"/>
-          </p:nvPr>
-        </p:nvSpPr>
-        <p:spPr/>
-        <p:txBody>
-          <a:bodyPr/>
-          <a:lstStyle/>
-          <a:p>
-            <a:r>
-              <a:rPr lang="en-US" dirty="0" smtClean="0"/>
-              <a:t>Did you just use the same name twice?</a:t>
-            </a:r>
-          </a:p>
-          <a:p>
-            <a:endParaRPr lang="en-US" dirty="0"/>
-          </a:p>
-          <a:p>
-            <a:r>
-              <a:rPr lang="en-US" dirty="0" smtClean="0"/>
-              <a:t>After a while, you can't always use different names</a:t>
-            </a:r>
-          </a:p>
-          <a:p>
-            <a:r>
-              <a:rPr lang="en-US" dirty="0" smtClean="0"/>
-              <a:t>Functions are like containers for names</a:t>
-            </a:r>
-          </a:p>
-          <a:p>
-            <a:pPr lvl="1"/>
-            <a:r>
-              <a:rPr lang="en-US" dirty="0" smtClean="0"/>
-              <a:t>You can use the same name in different functions</a:t>
+              <a:rPr lang="en-US"/>
+              <a:t>Add input paramters</a:t>
             </a:r>
           </a:p>
         </p:txBody>
@@ -5969,7 +5678,7 @@
     </p:spTree>
     <p:extLst>
       <p:ext uri="{BB962C8B-B14F-4D97-AF65-F5344CB8AC3E}">
-        <p14:creationId xmlns:p14="http://schemas.microsoft.com/office/powerpoint/2010/main" val="103933897"/>
+        <p14:creationId xmlns:p14="http://schemas.microsoft.com/office/powerpoint/2010/main" val="1730770823"/>
       </p:ext>
     </p:extLst>
   </p:cSld>
@@ -5998,12 +5707,12 @@
       </p:grpSpPr>
       <p:sp>
         <p:nvSpPr>
-          <p:cNvPr id="2" name="Title 1"/>
-          <p:cNvSpPr>
-            <a:spLocks noGrp="1"/>
-          </p:cNvSpPr>
-          <p:nvPr>
-            <p:ph type="title"/>
+          <p:cNvPr id="5" name="Subtitle 4"/>
+          <p:cNvSpPr>
+            <a:spLocks noGrp="1"/>
+          </p:cNvSpPr>
+          <p:nvPr>
+            <p:ph type="subTitle" idx="1"/>
           </p:nvPr>
         </p:nvSpPr>
         <p:spPr/>
@@ -6011,17 +5720,42 @@
           <a:bodyPr/>
           <a:lstStyle/>
           <a:p>
-            <a:r>
-              <a:rPr lang="en-US"/>
-              <a:t>Returning values</a:t>
-            </a:r>
+            <a:endParaRPr lang="en-US"/>
+          </a:p>
+        </p:txBody>
+      </p:sp>
+      <p:sp>
+        <p:nvSpPr>
+          <p:cNvPr id="4" name="Title 3"/>
+          <p:cNvSpPr>
+            <a:spLocks noGrp="1"/>
+          </p:cNvSpPr>
+          <p:nvPr>
+            <p:ph type="ctrTitle"/>
+          </p:nvPr>
+        </p:nvSpPr>
+        <p:spPr>
+          <a:xfrm>
+            <a:off x="193271" y="3693695"/>
+            <a:ext cx="8579886" cy="1325253"/>
+          </a:xfrm>
+        </p:spPr>
+        <p:txBody>
+          <a:bodyPr/>
+          <a:lstStyle/>
+          <a:p>
+            <a:r>
+              <a:rPr lang="en-US" sz="4000" dirty="0" smtClean="0"/>
+              <a:t>Returning data</a:t>
+            </a:r>
+            <a:endParaRPr lang="en-US" sz="4000" dirty="0"/>
           </a:p>
         </p:txBody>
       </p:sp>
     </p:spTree>
     <p:extLst>
       <p:ext uri="{BB962C8B-B14F-4D97-AF65-F5344CB8AC3E}">
-        <p14:creationId xmlns:p14="http://schemas.microsoft.com/office/powerpoint/2010/main" val="3708005915"/>
+        <p14:creationId xmlns:p14="http://schemas.microsoft.com/office/powerpoint/2010/main" val="1039663284"/>
       </p:ext>
     </p:extLst>
   </p:cSld>
@@ -6064,6 +5798,801 @@
           <a:lstStyle/>
           <a:p>
             <a:r>
+              <a:rPr lang="en-US" dirty="0" smtClean="0"/>
+              <a:t>Functions return data using the keyword return</a:t>
+            </a:r>
+            <a:endParaRPr lang="en-US" dirty="0"/>
+          </a:p>
+        </p:txBody>
+      </p:sp>
+      <p:sp>
+        <p:nvSpPr>
+          <p:cNvPr id="3" name="Content Placeholder 2"/>
+          <p:cNvSpPr>
+            <a:spLocks noGrp="1"/>
+          </p:cNvSpPr>
+          <p:nvPr>
+            <p:ph sz="quarter" idx="10"/>
+          </p:nvPr>
+        </p:nvSpPr>
+        <p:spPr/>
+        <p:txBody>
+          <a:bodyPr/>
+          <a:lstStyle/>
+          <a:p>
+            <a:r>
+              <a:rPr lang="en-US" dirty="0" smtClean="0"/>
+              <a:t>Specify the value or data you want to pass back after the return keyword</a:t>
+            </a:r>
+          </a:p>
+          <a:p>
+            <a:r>
+              <a:rPr lang="en-US" dirty="0" smtClean="0"/>
+              <a:t>You can reuse names in different functions</a:t>
+            </a:r>
+            <a:endParaRPr lang="en-US" dirty="0"/>
+          </a:p>
+        </p:txBody>
+      </p:sp>
+      <p:sp>
+        <p:nvSpPr>
+          <p:cNvPr id="4" name="Rectangle 3"/>
+          <p:cNvSpPr/>
+          <p:nvPr/>
+        </p:nvSpPr>
+        <p:spPr>
+          <a:xfrm>
+            <a:off x="6096000" y="3035486"/>
+            <a:ext cx="6096000" cy="3785652"/>
+          </a:xfrm>
+          <a:prstGeom prst="rect">
+            <a:avLst/>
+          </a:prstGeom>
+        </p:spPr>
+        <p:txBody>
+          <a:bodyPr>
+            <a:spAutoFit/>
+          </a:bodyPr>
+          <a:lstStyle/>
+          <a:p>
+            <a:r>
+              <a:rPr lang="en-US" sz="2400" dirty="0" err="1">
+                <a:solidFill>
+                  <a:srgbClr val="0000FF"/>
+                </a:solidFill>
+                <a:highlight>
+                  <a:srgbClr val="FFFFFF"/>
+                </a:highlight>
+                <a:latin typeface="Consolas" panose="020B0609020204030204" pitchFamily="49" charset="0"/>
+              </a:rPr>
+              <a:t>def</a:t>
+            </a:r>
+            <a:r>
+              <a:rPr lang="en-US" sz="2400" dirty="0">
+                <a:solidFill>
+                  <a:srgbClr val="000000"/>
+                </a:solidFill>
+                <a:highlight>
+                  <a:srgbClr val="FFFFFF"/>
+                </a:highlight>
+                <a:latin typeface="Consolas" panose="020B0609020204030204" pitchFamily="49" charset="0"/>
+              </a:rPr>
+              <a:t> </a:t>
+            </a:r>
+            <a:r>
+              <a:rPr lang="en-US" sz="2400" dirty="0" err="1">
+                <a:solidFill>
+                  <a:srgbClr val="000000"/>
+                </a:solidFill>
+                <a:highlight>
+                  <a:srgbClr val="FFFFFF"/>
+                </a:highlight>
+                <a:latin typeface="Consolas" panose="020B0609020204030204" pitchFamily="49" charset="0"/>
+              </a:rPr>
+              <a:t>getMessage</a:t>
+            </a:r>
+            <a:r>
+              <a:rPr lang="en-US" sz="2400" dirty="0">
+                <a:solidFill>
+                  <a:srgbClr val="000000"/>
+                </a:solidFill>
+                <a:highlight>
+                  <a:srgbClr val="FFFFFF"/>
+                </a:highlight>
+                <a:latin typeface="Consolas" panose="020B0609020204030204" pitchFamily="49" charset="0"/>
+              </a:rPr>
+              <a:t>(</a:t>
+            </a:r>
+            <a:r>
+              <a:rPr lang="en-US" sz="2400" dirty="0">
+                <a:solidFill>
+                  <a:srgbClr val="808080"/>
+                </a:solidFill>
+                <a:highlight>
+                  <a:srgbClr val="FFFFFF"/>
+                </a:highlight>
+                <a:latin typeface="Consolas" panose="020B0609020204030204" pitchFamily="49" charset="0"/>
+              </a:rPr>
+              <a:t>name</a:t>
+            </a:r>
+            <a:r>
+              <a:rPr lang="en-US" sz="2400" dirty="0">
+                <a:solidFill>
+                  <a:srgbClr val="000000"/>
+                </a:solidFill>
+                <a:highlight>
+                  <a:srgbClr val="FFFFFF"/>
+                </a:highlight>
+                <a:latin typeface="Consolas" panose="020B0609020204030204" pitchFamily="49" charset="0"/>
+              </a:rPr>
+              <a:t>):</a:t>
+            </a:r>
+          </a:p>
+          <a:p>
+            <a:r>
+              <a:rPr lang="en-US" sz="2400" dirty="0">
+                <a:solidFill>
+                  <a:srgbClr val="000000"/>
+                </a:solidFill>
+                <a:highlight>
+                  <a:srgbClr val="FFFFFF"/>
+                </a:highlight>
+                <a:latin typeface="Consolas" panose="020B0609020204030204" pitchFamily="49" charset="0"/>
+              </a:rPr>
+              <a:t>    message = </a:t>
+            </a:r>
+            <a:r>
+              <a:rPr lang="en-US" sz="2400" dirty="0">
+                <a:solidFill>
+                  <a:srgbClr val="A31515"/>
+                </a:solidFill>
+                <a:highlight>
+                  <a:srgbClr val="FFFFFF"/>
+                </a:highlight>
+                <a:latin typeface="Consolas" panose="020B0609020204030204" pitchFamily="49" charset="0"/>
+              </a:rPr>
+              <a:t>'Hello, '</a:t>
+            </a:r>
+            <a:r>
+              <a:rPr lang="en-US" sz="2400" dirty="0">
+                <a:solidFill>
+                  <a:srgbClr val="000000"/>
+                </a:solidFill>
+                <a:highlight>
+                  <a:srgbClr val="FFFFFF"/>
+                </a:highlight>
+                <a:latin typeface="Consolas" panose="020B0609020204030204" pitchFamily="49" charset="0"/>
+              </a:rPr>
+              <a:t> + </a:t>
+            </a:r>
+            <a:r>
+              <a:rPr lang="en-US" sz="2400" dirty="0">
+                <a:solidFill>
+                  <a:srgbClr val="808080"/>
+                </a:solidFill>
+                <a:highlight>
+                  <a:srgbClr val="FFFFFF"/>
+                </a:highlight>
+                <a:latin typeface="Consolas" panose="020B0609020204030204" pitchFamily="49" charset="0"/>
+              </a:rPr>
+              <a:t>name</a:t>
+            </a:r>
+            <a:endParaRPr lang="en-US" sz="2400" dirty="0">
+              <a:solidFill>
+                <a:srgbClr val="000000"/>
+              </a:solidFill>
+              <a:highlight>
+                <a:srgbClr val="FFFFFF"/>
+              </a:highlight>
+              <a:latin typeface="Consolas" panose="020B0609020204030204" pitchFamily="49" charset="0"/>
+            </a:endParaRPr>
+          </a:p>
+          <a:p>
+            <a:r>
+              <a:rPr lang="en-US" sz="2400" dirty="0">
+                <a:solidFill>
+                  <a:srgbClr val="000000"/>
+                </a:solidFill>
+                <a:highlight>
+                  <a:srgbClr val="FFFFFF"/>
+                </a:highlight>
+                <a:latin typeface="Consolas" panose="020B0609020204030204" pitchFamily="49" charset="0"/>
+              </a:rPr>
+              <a:t>    </a:t>
+            </a:r>
+            <a:r>
+              <a:rPr lang="en-US" sz="2400" dirty="0">
+                <a:solidFill>
+                  <a:srgbClr val="0000FF"/>
+                </a:solidFill>
+                <a:highlight>
+                  <a:srgbClr val="FFFFFF"/>
+                </a:highlight>
+                <a:latin typeface="Consolas" panose="020B0609020204030204" pitchFamily="49" charset="0"/>
+              </a:rPr>
+              <a:t>return</a:t>
+            </a:r>
+            <a:r>
+              <a:rPr lang="en-US" sz="2400" dirty="0">
+                <a:solidFill>
+                  <a:srgbClr val="000000"/>
+                </a:solidFill>
+                <a:highlight>
+                  <a:srgbClr val="FFFFFF"/>
+                </a:highlight>
+                <a:latin typeface="Consolas" panose="020B0609020204030204" pitchFamily="49" charset="0"/>
+              </a:rPr>
+              <a:t> message</a:t>
+            </a:r>
+          </a:p>
+          <a:p>
+            <a:endParaRPr lang="en-US" sz="2400" dirty="0">
+              <a:solidFill>
+                <a:srgbClr val="000000"/>
+              </a:solidFill>
+              <a:highlight>
+                <a:srgbClr val="FFFFFF"/>
+              </a:highlight>
+              <a:latin typeface="Consolas" panose="020B0609020204030204" pitchFamily="49" charset="0"/>
+            </a:endParaRPr>
+          </a:p>
+          <a:p>
+            <a:r>
+              <a:rPr lang="en-US" sz="2400" dirty="0" err="1">
+                <a:solidFill>
+                  <a:srgbClr val="0000FF"/>
+                </a:solidFill>
+                <a:highlight>
+                  <a:srgbClr val="FFFFFF"/>
+                </a:highlight>
+                <a:latin typeface="Consolas" panose="020B0609020204030204" pitchFamily="49" charset="0"/>
+              </a:rPr>
+              <a:t>def</a:t>
+            </a:r>
+            <a:r>
+              <a:rPr lang="en-US" sz="2400" dirty="0">
+                <a:solidFill>
+                  <a:srgbClr val="000000"/>
+                </a:solidFill>
+                <a:highlight>
+                  <a:srgbClr val="FFFFFF"/>
+                </a:highlight>
+                <a:latin typeface="Consolas" panose="020B0609020204030204" pitchFamily="49" charset="0"/>
+              </a:rPr>
+              <a:t> </a:t>
+            </a:r>
+            <a:r>
+              <a:rPr lang="en-US" sz="2400" dirty="0" err="1">
+                <a:solidFill>
+                  <a:srgbClr val="000000"/>
+                </a:solidFill>
+                <a:highlight>
+                  <a:srgbClr val="FFFFFF"/>
+                </a:highlight>
+                <a:latin typeface="Consolas" panose="020B0609020204030204" pitchFamily="49" charset="0"/>
+              </a:rPr>
+              <a:t>printMessage</a:t>
+            </a:r>
+            <a:r>
+              <a:rPr lang="en-US" sz="2400" dirty="0">
+                <a:solidFill>
+                  <a:srgbClr val="000000"/>
+                </a:solidFill>
+                <a:highlight>
+                  <a:srgbClr val="FFFFFF"/>
+                </a:highlight>
+                <a:latin typeface="Consolas" panose="020B0609020204030204" pitchFamily="49" charset="0"/>
+              </a:rPr>
+              <a:t>(</a:t>
+            </a:r>
+            <a:r>
+              <a:rPr lang="en-US" sz="2400" dirty="0">
+                <a:solidFill>
+                  <a:srgbClr val="808080"/>
+                </a:solidFill>
+                <a:highlight>
+                  <a:srgbClr val="FFFFFF"/>
+                </a:highlight>
+                <a:latin typeface="Consolas" panose="020B0609020204030204" pitchFamily="49" charset="0"/>
+              </a:rPr>
+              <a:t>message</a:t>
+            </a:r>
+            <a:r>
+              <a:rPr lang="en-US" sz="2400" dirty="0">
+                <a:solidFill>
+                  <a:srgbClr val="000000"/>
+                </a:solidFill>
+                <a:highlight>
+                  <a:srgbClr val="FFFFFF"/>
+                </a:highlight>
+                <a:latin typeface="Consolas" panose="020B0609020204030204" pitchFamily="49" charset="0"/>
+              </a:rPr>
+              <a:t>):</a:t>
+            </a:r>
+          </a:p>
+          <a:p>
+            <a:r>
+              <a:rPr lang="en-US" sz="2400" dirty="0">
+                <a:solidFill>
+                  <a:srgbClr val="000000"/>
+                </a:solidFill>
+                <a:highlight>
+                  <a:srgbClr val="FFFFFF"/>
+                </a:highlight>
+                <a:latin typeface="Consolas" panose="020B0609020204030204" pitchFamily="49" charset="0"/>
+              </a:rPr>
+              <a:t>    print(</a:t>
+            </a:r>
+            <a:r>
+              <a:rPr lang="en-US" sz="2400" dirty="0">
+                <a:solidFill>
+                  <a:srgbClr val="808080"/>
+                </a:solidFill>
+                <a:highlight>
+                  <a:srgbClr val="FFFFFF"/>
+                </a:highlight>
+                <a:latin typeface="Consolas" panose="020B0609020204030204" pitchFamily="49" charset="0"/>
+              </a:rPr>
+              <a:t>message</a:t>
+            </a:r>
+            <a:r>
+              <a:rPr lang="en-US" sz="2400" dirty="0">
+                <a:solidFill>
+                  <a:srgbClr val="000000"/>
+                </a:solidFill>
+                <a:highlight>
+                  <a:srgbClr val="FFFFFF"/>
+                </a:highlight>
+                <a:latin typeface="Consolas" panose="020B0609020204030204" pitchFamily="49" charset="0"/>
+              </a:rPr>
+              <a:t>)</a:t>
+            </a:r>
+          </a:p>
+          <a:p>
+            <a:r>
+              <a:rPr lang="en-US" sz="2400" dirty="0">
+                <a:solidFill>
+                  <a:srgbClr val="000000"/>
+                </a:solidFill>
+                <a:highlight>
+                  <a:srgbClr val="FFFFFF"/>
+                </a:highlight>
+                <a:latin typeface="Consolas" panose="020B0609020204030204" pitchFamily="49" charset="0"/>
+              </a:rPr>
+              <a:t>    </a:t>
+            </a:r>
+            <a:r>
+              <a:rPr lang="en-US" sz="2400" dirty="0">
+                <a:solidFill>
+                  <a:srgbClr val="0000FF"/>
+                </a:solidFill>
+                <a:highlight>
+                  <a:srgbClr val="FFFFFF"/>
+                </a:highlight>
+                <a:latin typeface="Consolas" panose="020B0609020204030204" pitchFamily="49" charset="0"/>
+              </a:rPr>
+              <a:t>return</a:t>
+            </a:r>
+            <a:endParaRPr lang="en-US" sz="2400" dirty="0">
+              <a:solidFill>
+                <a:srgbClr val="000000"/>
+              </a:solidFill>
+              <a:highlight>
+                <a:srgbClr val="FFFFFF"/>
+              </a:highlight>
+              <a:latin typeface="Consolas" panose="020B0609020204030204" pitchFamily="49" charset="0"/>
+            </a:endParaRPr>
+          </a:p>
+          <a:p>
+            <a:endParaRPr lang="en-US" sz="2400" dirty="0">
+              <a:solidFill>
+                <a:srgbClr val="000000"/>
+              </a:solidFill>
+              <a:highlight>
+                <a:srgbClr val="FFFFFF"/>
+              </a:highlight>
+              <a:latin typeface="Consolas" panose="020B0609020204030204" pitchFamily="49" charset="0"/>
+            </a:endParaRPr>
+          </a:p>
+          <a:p>
+            <a:r>
+              <a:rPr lang="en-US" sz="2400" dirty="0">
+                <a:solidFill>
+                  <a:srgbClr val="000000"/>
+                </a:solidFill>
+                <a:highlight>
+                  <a:srgbClr val="FFFFFF"/>
+                </a:highlight>
+                <a:latin typeface="Consolas" panose="020B0609020204030204" pitchFamily="49" charset="0"/>
+              </a:rPr>
+              <a:t>output = </a:t>
+            </a:r>
+            <a:r>
+              <a:rPr lang="en-US" sz="2400" dirty="0" err="1">
+                <a:solidFill>
+                  <a:srgbClr val="000000"/>
+                </a:solidFill>
+                <a:highlight>
+                  <a:srgbClr val="FFFFFF"/>
+                </a:highlight>
+                <a:latin typeface="Consolas" panose="020B0609020204030204" pitchFamily="49" charset="0"/>
+              </a:rPr>
+              <a:t>getMessage</a:t>
+            </a:r>
+            <a:r>
+              <a:rPr lang="en-US" sz="2400" dirty="0">
+                <a:solidFill>
+                  <a:srgbClr val="000000"/>
+                </a:solidFill>
+                <a:highlight>
+                  <a:srgbClr val="FFFFFF"/>
+                </a:highlight>
+                <a:latin typeface="Consolas" panose="020B0609020204030204" pitchFamily="49" charset="0"/>
+              </a:rPr>
+              <a:t>(</a:t>
+            </a:r>
+            <a:r>
+              <a:rPr lang="en-US" sz="2400" dirty="0">
+                <a:solidFill>
+                  <a:srgbClr val="A31515"/>
+                </a:solidFill>
+                <a:highlight>
+                  <a:srgbClr val="FFFFFF"/>
+                </a:highlight>
+                <a:latin typeface="Consolas" panose="020B0609020204030204" pitchFamily="49" charset="0"/>
+              </a:rPr>
+              <a:t>'Christopher'</a:t>
+            </a:r>
+            <a:r>
+              <a:rPr lang="en-US" sz="2400" dirty="0">
+                <a:solidFill>
+                  <a:srgbClr val="000000"/>
+                </a:solidFill>
+                <a:highlight>
+                  <a:srgbClr val="FFFFFF"/>
+                </a:highlight>
+                <a:latin typeface="Consolas" panose="020B0609020204030204" pitchFamily="49" charset="0"/>
+              </a:rPr>
+              <a:t>)</a:t>
+            </a:r>
+          </a:p>
+          <a:p>
+            <a:r>
+              <a:rPr lang="en-US" sz="2400" dirty="0" err="1">
+                <a:solidFill>
+                  <a:srgbClr val="000000"/>
+                </a:solidFill>
+                <a:highlight>
+                  <a:srgbClr val="FFFFFF"/>
+                </a:highlight>
+                <a:latin typeface="Consolas" panose="020B0609020204030204" pitchFamily="49" charset="0"/>
+              </a:rPr>
+              <a:t>printMessage</a:t>
+            </a:r>
+            <a:r>
+              <a:rPr lang="en-US" sz="2400" dirty="0">
+                <a:solidFill>
+                  <a:srgbClr val="000000"/>
+                </a:solidFill>
+                <a:highlight>
+                  <a:srgbClr val="FFFFFF"/>
+                </a:highlight>
+                <a:latin typeface="Consolas" panose="020B0609020204030204" pitchFamily="49" charset="0"/>
+              </a:rPr>
+              <a:t>(output)</a:t>
+            </a:r>
+            <a:endParaRPr lang="en-US" sz="2400" dirty="0"/>
+          </a:p>
+        </p:txBody>
+      </p:sp>
+    </p:spTree>
+    <p:extLst>
+      <p:ext uri="{BB962C8B-B14F-4D97-AF65-F5344CB8AC3E}">
+        <p14:creationId xmlns:p14="http://schemas.microsoft.com/office/powerpoint/2010/main" val="9570791"/>
+      </p:ext>
+    </p:extLst>
+  </p:cSld>
+  <p:clrMapOvr>
+    <a:masterClrMapping/>
+  </p:clrMapOvr>
+  <p:timing>
+    <p:tnLst>
+      <p:par>
+        <p:cTn id="1" dur="indefinite" restart="never" nodeType="tmRoot"/>
+      </p:par>
+    </p:tnLst>
+  </p:timing>
+</p:sld>
+</file>
+
+<file path=ppt/slides/slide19.xml><?xml version="1.0" encoding="utf-8"?>
+<p:sld xmlns:a="http://schemas.openxmlformats.org/drawingml/2006/main" xmlns:r="http://schemas.openxmlformats.org/officeDocument/2006/relationships" xmlns:p="http://schemas.openxmlformats.org/presentationml/2006/main">
+  <p:cSld>
+    <p:spTree>
+      <p:nvGrpSpPr>
+        <p:cNvPr id="1" name=""/>
+        <p:cNvGrpSpPr/>
+        <p:nvPr/>
+      </p:nvGrpSpPr>
+      <p:grpSpPr>
+        <a:xfrm>
+          <a:off x="0" y="0"/>
+          <a:ext cx="0" cy="0"/>
+          <a:chOff x="0" y="0"/>
+          <a:chExt cx="0" cy="0"/>
+        </a:xfrm>
+      </p:grpSpPr>
+      <p:sp>
+        <p:nvSpPr>
+          <p:cNvPr id="2" name="Title 1"/>
+          <p:cNvSpPr>
+            <a:spLocks noGrp="1"/>
+          </p:cNvSpPr>
+          <p:nvPr>
+            <p:ph type="title"/>
+          </p:nvPr>
+        </p:nvSpPr>
+        <p:spPr/>
+        <p:txBody>
+          <a:bodyPr/>
+          <a:lstStyle/>
+          <a:p>
+            <a:r>
+              <a:rPr lang="en-US" dirty="0" smtClean="0"/>
+              <a:t>Wait a minute...</a:t>
+            </a:r>
+            <a:endParaRPr lang="en-US" dirty="0"/>
+          </a:p>
+        </p:txBody>
+      </p:sp>
+      <p:sp>
+        <p:nvSpPr>
+          <p:cNvPr id="3" name="Content Placeholder 2"/>
+          <p:cNvSpPr>
+            <a:spLocks noGrp="1"/>
+          </p:cNvSpPr>
+          <p:nvPr>
+            <p:ph sz="quarter" idx="10"/>
+          </p:nvPr>
+        </p:nvSpPr>
+        <p:spPr/>
+        <p:txBody>
+          <a:bodyPr/>
+          <a:lstStyle/>
+          <a:p>
+            <a:r>
+              <a:rPr lang="en-US" dirty="0" smtClean="0"/>
+              <a:t>Did you just use the same name twice?</a:t>
+            </a:r>
+          </a:p>
+          <a:p>
+            <a:endParaRPr lang="en-US" dirty="0"/>
+          </a:p>
+          <a:p>
+            <a:r>
+              <a:rPr lang="en-US" dirty="0" smtClean="0"/>
+              <a:t>After a while, you can't always use different names</a:t>
+            </a:r>
+          </a:p>
+          <a:p>
+            <a:r>
+              <a:rPr lang="en-US" dirty="0" smtClean="0"/>
+              <a:t>Functions are like containers for names</a:t>
+            </a:r>
+          </a:p>
+          <a:p>
+            <a:pPr lvl="1"/>
+            <a:r>
+              <a:rPr lang="en-US" dirty="0" smtClean="0"/>
+              <a:t>You can use the same name in different functions</a:t>
+            </a:r>
+          </a:p>
+        </p:txBody>
+      </p:sp>
+    </p:spTree>
+    <p:extLst>
+      <p:ext uri="{BB962C8B-B14F-4D97-AF65-F5344CB8AC3E}">
+        <p14:creationId xmlns:p14="http://schemas.microsoft.com/office/powerpoint/2010/main" val="103933897"/>
+      </p:ext>
+    </p:extLst>
+  </p:cSld>
+  <p:clrMapOvr>
+    <a:masterClrMapping/>
+  </p:clrMapOvr>
+</p:sld>
+</file>
+
+<file path=ppt/slides/slide2.xml><?xml version="1.0" encoding="utf-8"?>
+<p:sld xmlns:a="http://schemas.openxmlformats.org/drawingml/2006/main" xmlns:r="http://schemas.openxmlformats.org/officeDocument/2006/relationships" xmlns:p="http://schemas.openxmlformats.org/presentationml/2006/main">
+  <p:cSld>
+    <p:spTree>
+      <p:nvGrpSpPr>
+        <p:cNvPr id="1" name=""/>
+        <p:cNvGrpSpPr/>
+        <p:nvPr/>
+      </p:nvGrpSpPr>
+      <p:grpSpPr>
+        <a:xfrm>
+          <a:off x="0" y="0"/>
+          <a:ext cx="0" cy="0"/>
+          <a:chOff x="0" y="0"/>
+          <a:chExt cx="0" cy="0"/>
+        </a:xfrm>
+      </p:grpSpPr>
+      <p:sp>
+        <p:nvSpPr>
+          <p:cNvPr id="3" name="Title 2"/>
+          <p:cNvSpPr>
+            <a:spLocks noGrp="1"/>
+          </p:cNvSpPr>
+          <p:nvPr>
+            <p:ph type="title"/>
+          </p:nvPr>
+        </p:nvSpPr>
+        <p:spPr/>
+        <p:txBody>
+          <a:bodyPr/>
+          <a:lstStyle/>
+          <a:p>
+            <a:r>
+              <a:rPr lang="en-US" dirty="0" smtClean="0"/>
+              <a:t>Repetition</a:t>
+            </a:r>
+            <a:endParaRPr lang="en-US" dirty="0"/>
+          </a:p>
+        </p:txBody>
+      </p:sp>
+      <p:sp>
+        <p:nvSpPr>
+          <p:cNvPr id="4" name="Content Placeholder 3"/>
+          <p:cNvSpPr>
+            <a:spLocks noGrp="1"/>
+          </p:cNvSpPr>
+          <p:nvPr>
+            <p:ph sz="quarter" idx="10"/>
+          </p:nvPr>
+        </p:nvSpPr>
+        <p:spPr/>
+        <p:txBody>
+          <a:bodyPr/>
+          <a:lstStyle/>
+          <a:p>
+            <a:r>
+              <a:rPr lang="en-US" dirty="0" smtClean="0"/>
+              <a:t>One of the problems with code is you're frequently doing the same thing over and over again</a:t>
+            </a:r>
+          </a:p>
+          <a:p>
+            <a:pPr lvl="1"/>
+            <a:r>
+              <a:rPr lang="en-US" dirty="0" smtClean="0"/>
+              <a:t>The same few lines of code</a:t>
+            </a:r>
+          </a:p>
+          <a:p>
+            <a:pPr lvl="1"/>
+            <a:r>
+              <a:rPr lang="en-US" dirty="0" smtClean="0"/>
+              <a:t>The same tasks</a:t>
+            </a:r>
+          </a:p>
+          <a:p>
+            <a:pPr lvl="1"/>
+            <a:r>
+              <a:rPr lang="en-US" dirty="0" smtClean="0"/>
+              <a:t>The same operations</a:t>
+            </a:r>
+          </a:p>
+          <a:p>
+            <a:endParaRPr lang="en-US" dirty="0"/>
+          </a:p>
+          <a:p>
+            <a:pPr lvl="2"/>
+            <a:r>
+              <a:rPr lang="en-US" dirty="0" smtClean="0"/>
+              <a:t>Again, and again, and again...</a:t>
+            </a:r>
+          </a:p>
+        </p:txBody>
+      </p:sp>
+    </p:spTree>
+    <p:extLst>
+      <p:ext uri="{BB962C8B-B14F-4D97-AF65-F5344CB8AC3E}">
+        <p14:creationId xmlns:p14="http://schemas.microsoft.com/office/powerpoint/2010/main" val="2962784125"/>
+      </p:ext>
+    </p:extLst>
+  </p:cSld>
+  <p:clrMapOvr>
+    <a:masterClrMapping/>
+  </p:clrMapOvr>
+</p:sld>
+</file>
+
+<file path=ppt/slides/slide20.xml><?xml version="1.0" encoding="utf-8"?>
+<p:sld xmlns:a="http://schemas.openxmlformats.org/drawingml/2006/main" xmlns:r="http://schemas.openxmlformats.org/officeDocument/2006/relationships" xmlns:p="http://schemas.openxmlformats.org/presentationml/2006/main">
+  <p:cSld>
+    <p:spTree>
+      <p:nvGrpSpPr>
+        <p:cNvPr id="1" name=""/>
+        <p:cNvGrpSpPr/>
+        <p:nvPr/>
+      </p:nvGrpSpPr>
+      <p:grpSpPr>
+        <a:xfrm>
+          <a:off x="0" y="0"/>
+          <a:ext cx="0" cy="0"/>
+          <a:chOff x="0" y="0"/>
+          <a:chExt cx="0" cy="0"/>
+        </a:xfrm>
+      </p:grpSpPr>
+      <p:sp>
+        <p:nvSpPr>
+          <p:cNvPr id="2" name="Title 1"/>
+          <p:cNvSpPr>
+            <a:spLocks noGrp="1"/>
+          </p:cNvSpPr>
+          <p:nvPr>
+            <p:ph type="title"/>
+          </p:nvPr>
+        </p:nvSpPr>
+        <p:spPr/>
+        <p:txBody>
+          <a:bodyPr/>
+          <a:lstStyle/>
+          <a:p>
+            <a:r>
+              <a:rPr lang="en-US"/>
+              <a:t>Returning values</a:t>
+            </a:r>
+          </a:p>
+        </p:txBody>
+      </p:sp>
+    </p:spTree>
+    <p:extLst>
+      <p:ext uri="{BB962C8B-B14F-4D97-AF65-F5344CB8AC3E}">
+        <p14:creationId xmlns:p14="http://schemas.microsoft.com/office/powerpoint/2010/main" val="3708005915"/>
+      </p:ext>
+    </p:extLst>
+  </p:cSld>
+  <p:clrMapOvr>
+    <a:masterClrMapping/>
+  </p:clrMapOvr>
+</p:sld>
+</file>
+
+<file path=ppt/slides/slide21.xml><?xml version="1.0" encoding="utf-8"?>
+<p:sld xmlns:a="http://schemas.openxmlformats.org/drawingml/2006/main" xmlns:r="http://schemas.openxmlformats.org/officeDocument/2006/relationships" xmlns:p="http://schemas.openxmlformats.org/presentationml/2006/main">
+  <p:cSld>
+    <p:spTree>
+      <p:nvGrpSpPr>
+        <p:cNvPr id="1" name=""/>
+        <p:cNvGrpSpPr/>
+        <p:nvPr/>
+      </p:nvGrpSpPr>
+      <p:grpSpPr>
+        <a:xfrm>
+          <a:off x="0" y="0"/>
+          <a:ext cx="0" cy="0"/>
+          <a:chOff x="0" y="0"/>
+          <a:chExt cx="0" cy="0"/>
+        </a:xfrm>
+      </p:grpSpPr>
+      <p:sp>
+        <p:nvSpPr>
+          <p:cNvPr id="2" name="Title 1"/>
+          <p:cNvSpPr>
+            <a:spLocks noGrp="1"/>
+          </p:cNvSpPr>
+          <p:nvPr>
+            <p:ph type="title"/>
+          </p:nvPr>
+        </p:nvSpPr>
+        <p:spPr/>
+        <p:txBody>
+          <a:bodyPr/>
+          <a:lstStyle/>
+          <a:p>
+            <a:r>
               <a:rPr lang="en-CA" dirty="0" smtClean="0"/>
               <a:t>Your challenge….</a:t>
             </a:r>
@@ -6086,12 +6615,59 @@
           <a:bodyPr/>
           <a:lstStyle/>
           <a:p>
-            <a:pPr marL="0" indent="0">
-              <a:buNone/>
-            </a:pPr>
+            <a:r>
+              <a:rPr lang="en-US" dirty="0" smtClean="0"/>
+              <a:t>Create a function to simplify writing to files.</a:t>
+            </a:r>
+          </a:p>
+          <a:p>
+            <a:r>
+              <a:rPr lang="en-US" dirty="0" smtClean="0"/>
+              <a:t>Set the function to accept parameters</a:t>
+            </a:r>
+          </a:p>
+          <a:p>
+            <a:pPr lvl="1"/>
+            <a:r>
+              <a:rPr lang="en-US" dirty="0" smtClean="0"/>
+              <a:t>one </a:t>
+            </a:r>
             <a:r>
               <a:rPr lang="en-US" dirty="0"/>
-              <a:t>Create a function with two parameters, one for text and one for the name of a file. Add the code that will write the text out to the file.</a:t>
+              <a:t>for </a:t>
+            </a:r>
+            <a:r>
+              <a:rPr lang="en-US" dirty="0" smtClean="0"/>
+              <a:t>text</a:t>
+            </a:r>
+          </a:p>
+          <a:p>
+            <a:pPr lvl="1"/>
+            <a:r>
+              <a:rPr lang="en-US" dirty="0" smtClean="0"/>
+              <a:t>one </a:t>
+            </a:r>
+            <a:r>
+              <a:rPr lang="en-US" dirty="0"/>
+              <a:t>for the name of </a:t>
+            </a:r>
+            <a:r>
+              <a:rPr lang="en-US"/>
+              <a:t>a </a:t>
+            </a:r>
+            <a:r>
+              <a:rPr lang="en-US" smtClean="0"/>
+              <a:t>file</a:t>
+            </a:r>
+          </a:p>
+          <a:p>
+            <a:r>
+              <a:rPr lang="en-US" smtClean="0"/>
+              <a:t>Add </a:t>
+            </a:r>
+            <a:r>
+              <a:rPr lang="en-US" dirty="0"/>
+              <a:t>the code that will write the text out to the file.</a:t>
             </a:r>
           </a:p>
         </p:txBody>
@@ -6116,7 +6692,7 @@
 </p:sld>
 </file>
 
-<file path=ppt/slides/slide19.xml><?xml version="1.0" encoding="utf-8"?>
+<file path=ppt/slides/slide22.xml><?xml version="1.0" encoding="utf-8"?>
 <p:sld xmlns:a="http://schemas.openxmlformats.org/drawingml/2006/main" xmlns:r="http://schemas.openxmlformats.org/officeDocument/2006/relationships" xmlns:p="http://schemas.openxmlformats.org/presentationml/2006/main">
   <p:cSld>
     <p:spTree>
@@ -6234,113 +6810,7 @@
 </p:sld>
 </file>
 
-<file path=ppt/slides/slide2.xml><?xml version="1.0" encoding="utf-8"?>
-<p:sld xmlns:a="http://schemas.openxmlformats.org/drawingml/2006/main" xmlns:r="http://schemas.openxmlformats.org/officeDocument/2006/relationships" xmlns:p="http://schemas.openxmlformats.org/presentationml/2006/main">
-  <p:cSld>
-    <p:spTree>
-      <p:nvGrpSpPr>
-        <p:cNvPr id="1" name=""/>
-        <p:cNvGrpSpPr/>
-        <p:nvPr/>
-      </p:nvGrpSpPr>
-      <p:grpSpPr>
-        <a:xfrm>
-          <a:off x="0" y="0"/>
-          <a:ext cx="0" cy="0"/>
-          <a:chOff x="0" y="0"/>
-          <a:chExt cx="0" cy="0"/>
-        </a:xfrm>
-      </p:grpSpPr>
-      <p:sp>
-        <p:nvSpPr>
-          <p:cNvPr id="3" name="Title 2"/>
-          <p:cNvSpPr>
-            <a:spLocks noGrp="1"/>
-          </p:cNvSpPr>
-          <p:nvPr>
-            <p:ph type="title"/>
-          </p:nvPr>
-        </p:nvSpPr>
-        <p:spPr/>
-        <p:txBody>
-          <a:bodyPr/>
-          <a:lstStyle/>
-          <a:p>
-            <a:r>
-              <a:rPr lang="en-US" dirty="0" smtClean="0"/>
-              <a:t>Repetition</a:t>
-            </a:r>
-            <a:endParaRPr lang="en-US" dirty="0"/>
-          </a:p>
-        </p:txBody>
-      </p:sp>
-      <p:sp>
-        <p:nvSpPr>
-          <p:cNvPr id="4" name="Content Placeholder 3"/>
-          <p:cNvSpPr>
-            <a:spLocks noGrp="1"/>
-          </p:cNvSpPr>
-          <p:nvPr>
-            <p:ph sz="quarter" idx="10"/>
-          </p:nvPr>
-        </p:nvSpPr>
-        <p:spPr/>
-        <p:txBody>
-          <a:bodyPr/>
-          <a:lstStyle/>
-          <a:p>
-            <a:r>
-              <a:rPr lang="en-US" dirty="0" smtClean="0"/>
-              <a:t>One of the problems with code is you're frequently doing the same thing over and over again</a:t>
-            </a:r>
-          </a:p>
-          <a:p>
-            <a:pPr lvl="1"/>
-            <a:r>
-              <a:rPr lang="en-US" dirty="0" smtClean="0"/>
-              <a:t>The same few lines of code</a:t>
-            </a:r>
-          </a:p>
-          <a:p>
-            <a:pPr lvl="1"/>
-            <a:r>
-              <a:rPr lang="en-US" dirty="0" smtClean="0"/>
-              <a:t>The same tasks</a:t>
-            </a:r>
-          </a:p>
-          <a:p>
-            <a:pPr lvl="1"/>
-            <a:r>
-              <a:rPr lang="en-US" dirty="0" smtClean="0"/>
-              <a:t>The same operations</a:t>
-            </a:r>
-          </a:p>
-          <a:p>
-            <a:endParaRPr lang="en-US" dirty="0"/>
-          </a:p>
-          <a:p>
-            <a:pPr lvl="2"/>
-            <a:r>
-              <a:rPr lang="en-US" dirty="0" smtClean="0"/>
-              <a:t>Again, and again, and again...</a:t>
-            </a:r>
-          </a:p>
-        </p:txBody>
-      </p:sp>
-    </p:spTree>
-    <p:extLst>
-      <p:ext uri="{BB962C8B-B14F-4D97-AF65-F5344CB8AC3E}">
-        <p14:creationId xmlns:p14="http://schemas.microsoft.com/office/powerpoint/2010/main" val="2962784125"/>
-      </p:ext>
-    </p:extLst>
-  </p:cSld>
-  <p:clrMapOvr>
-    <a:masterClrMapping/>
-  </p:clrMapOvr>
-</p:sld>
-</file>
-
-<file path=ppt/slides/slide20.xml><?xml version="1.0" encoding="utf-8"?>
+<file path=ppt/slides/slide23.xml><?xml version="1.0" encoding="utf-8"?>
 <p:sld xmlns:a="http://schemas.openxmlformats.org/drawingml/2006/main" xmlns:r="http://schemas.openxmlformats.org/officeDocument/2006/relationships" xmlns:p="http://schemas.openxmlformats.org/presentationml/2006/main">
   <p:cSld>
     <p:spTree>
@@ -6367,11 +6837,11 @@
   <p:clrMapOvr>
     <a:masterClrMapping/>
   </p:clrMapOvr>
-  <mc:AlternateContent xmlns:mc="http://schemas.openxmlformats.org/markup-compatibility/2006">
-    <mc:Choice xmlns:p14="http://schemas.microsoft.com/office/powerpoint/2010/main" Requires="p14">
+  <mc:AlternateContent xmlns:mc="http://schemas.openxmlformats.org/markup-compatibility/2006" xmlns:p14="http://schemas.microsoft.com/office/powerpoint/2010/main">
+    <mc:Choice Requires="p14">
       <p:transition spd="slow" p14:dur="2000"/>
     </mc:Choice>
-    <mc:Fallback>
+    <mc:Fallback xmlns="">
       <p:transition spd="slow"/>
     </mc:Fallback>
   </mc:AlternateContent>
@@ -6706,6 +7176,83 @@
 </file>
 
 <file path=ppt/slides/slide6.xml><?xml version="1.0" encoding="utf-8"?>
+<p:sld xmlns:a="http://schemas.openxmlformats.org/drawingml/2006/main" xmlns:r="http://schemas.openxmlformats.org/officeDocument/2006/relationships" xmlns:p="http://schemas.openxmlformats.org/presentationml/2006/main">
+  <p:cSld>
+    <p:spTree>
+      <p:nvGrpSpPr>
+        <p:cNvPr id="1" name=""/>
+        <p:cNvGrpSpPr/>
+        <p:nvPr/>
+      </p:nvGrpSpPr>
+      <p:grpSpPr>
+        <a:xfrm>
+          <a:off x="0" y="0"/>
+          <a:ext cx="0" cy="0"/>
+          <a:chOff x="0" y="0"/>
+          <a:chExt cx="0" cy="0"/>
+        </a:xfrm>
+      </p:grpSpPr>
+      <p:sp>
+        <p:nvSpPr>
+          <p:cNvPr id="5" name="Subtitle 4"/>
+          <p:cNvSpPr>
+            <a:spLocks noGrp="1"/>
+          </p:cNvSpPr>
+          <p:nvPr>
+            <p:ph type="subTitle" idx="1"/>
+          </p:nvPr>
+        </p:nvSpPr>
+        <p:spPr/>
+        <p:txBody>
+          <a:bodyPr/>
+          <a:lstStyle/>
+          <a:p>
+            <a:endParaRPr lang="en-US"/>
+          </a:p>
+        </p:txBody>
+      </p:sp>
+      <p:sp>
+        <p:nvSpPr>
+          <p:cNvPr id="4" name="Title 3"/>
+          <p:cNvSpPr>
+            <a:spLocks noGrp="1"/>
+          </p:cNvSpPr>
+          <p:nvPr>
+            <p:ph type="ctrTitle"/>
+          </p:nvPr>
+        </p:nvSpPr>
+        <p:spPr>
+          <a:xfrm>
+            <a:off x="193271" y="3693695"/>
+            <a:ext cx="8579886" cy="1325253"/>
+          </a:xfrm>
+        </p:spPr>
+        <p:txBody>
+          <a:bodyPr/>
+          <a:lstStyle/>
+          <a:p>
+            <a:r>
+              <a:rPr lang="en-US" sz="4000" dirty="0" smtClean="0"/>
+              <a:t>Introducing Functions</a:t>
+            </a:r>
+            <a:endParaRPr lang="en-US" sz="4000" dirty="0"/>
+          </a:p>
+        </p:txBody>
+      </p:sp>
+    </p:spTree>
+    <p:extLst>
+      <p:ext uri="{BB962C8B-B14F-4D97-AF65-F5344CB8AC3E}">
+        <p14:creationId xmlns:p14="http://schemas.microsoft.com/office/powerpoint/2010/main" val="1741569926"/>
+      </p:ext>
+    </p:extLst>
+  </p:cSld>
+  <p:clrMapOvr>
+    <a:masterClrMapping/>
+  </p:clrMapOvr>
+</p:sld>
+</file>
+
+<file path=ppt/slides/slide7.xml><?xml version="1.0" encoding="utf-8"?>
 <p:sld xmlns:a="http://schemas.openxmlformats.org/drawingml/2006/main" xmlns:r="http://schemas.openxmlformats.org/officeDocument/2006/relationships" xmlns:p="http://schemas.openxmlformats.org/presentationml/2006/main">
   <p:cSld>
     <p:spTree>
@@ -7191,7 +7738,7 @@
 </p:sld>
 </file>
 
-<file path=ppt/slides/slide7.xml><?xml version="1.0" encoding="utf-8"?>
+<file path=ppt/slides/slide8.xml><?xml version="1.0" encoding="utf-8"?>
 <p:sld xmlns:a="http://schemas.openxmlformats.org/drawingml/2006/main" xmlns:r="http://schemas.openxmlformats.org/officeDocument/2006/relationships" xmlns:p="http://schemas.openxmlformats.org/presentationml/2006/main">
   <p:cSld>
     <p:spTree>
@@ -7674,257 +8221,6 @@
 </p:sld>
 </file>
 
-<file path=ppt/slides/slide8.xml><?xml version="1.0" encoding="utf-8"?>
-<p:sld xmlns:a="http://schemas.openxmlformats.org/drawingml/2006/main" xmlns:r="http://schemas.openxmlformats.org/officeDocument/2006/relationships" xmlns:p="http://schemas.openxmlformats.org/presentationml/2006/main">
-  <p:cSld>
-    <p:spTree>
-      <p:nvGrpSpPr>
-        <p:cNvPr id="1" name=""/>
-        <p:cNvGrpSpPr/>
-        <p:nvPr/>
-      </p:nvGrpSpPr>
-      <p:grpSpPr>
-        <a:xfrm>
-          <a:off x="0" y="0"/>
-          <a:ext cx="0" cy="0"/>
-          <a:chOff x="0" y="0"/>
-          <a:chExt cx="0" cy="0"/>
-        </a:xfrm>
-      </p:grpSpPr>
-      <p:sp>
-        <p:nvSpPr>
-          <p:cNvPr id="2" name="Title 1"/>
-          <p:cNvSpPr>
-            <a:spLocks noGrp="1"/>
-          </p:cNvSpPr>
-          <p:nvPr>
-            <p:ph type="title"/>
-          </p:nvPr>
-        </p:nvSpPr>
-        <p:spPr/>
-        <p:txBody>
-          <a:bodyPr/>
-          <a:lstStyle/>
-          <a:p>
-            <a:r>
-              <a:rPr lang="en-US" dirty="0" smtClean="0"/>
-              <a:t>How do you create a function?</a:t>
-            </a:r>
-            <a:endParaRPr lang="en-US" dirty="0"/>
-          </a:p>
-        </p:txBody>
-      </p:sp>
-      <p:sp>
-        <p:nvSpPr>
-          <p:cNvPr id="3" name="Content Placeholder 2"/>
-          <p:cNvSpPr>
-            <a:spLocks noGrp="1"/>
-          </p:cNvSpPr>
-          <p:nvPr>
-            <p:ph sz="quarter" idx="10"/>
-          </p:nvPr>
-        </p:nvSpPr>
-        <p:spPr/>
-        <p:txBody>
-          <a:bodyPr/>
-          <a:lstStyle/>
-          <a:p>
-            <a:r>
-              <a:rPr lang="en-US" dirty="0" smtClean="0"/>
-              <a:t>Use the keyword </a:t>
-            </a:r>
-            <a:r>
-              <a:rPr lang="en-US" dirty="0" err="1" smtClean="0"/>
-              <a:t>def</a:t>
-            </a:r>
-            <a:endParaRPr lang="en-US" dirty="0" smtClean="0"/>
-          </a:p>
-          <a:p>
-            <a:pPr lvl="1"/>
-            <a:r>
-              <a:rPr lang="en-US" dirty="0" smtClean="0"/>
-              <a:t>Short for define</a:t>
-            </a:r>
-          </a:p>
-          <a:p>
-            <a:r>
-              <a:rPr lang="en-US" dirty="0" smtClean="0"/>
-              <a:t>Give your function a name</a:t>
-            </a:r>
-          </a:p>
-          <a:p>
-            <a:pPr lvl="1"/>
-            <a:r>
-              <a:rPr lang="en-US" dirty="0" smtClean="0"/>
-              <a:t>You may also have parameter names (we will explain those shortly)</a:t>
-            </a:r>
-          </a:p>
-          <a:p>
-            <a:r>
-              <a:rPr lang="en-US" dirty="0" smtClean="0"/>
-              <a:t>Write the code in the body of the function</a:t>
-            </a:r>
-            <a:endParaRPr lang="en-US" dirty="0"/>
-          </a:p>
-        </p:txBody>
-      </p:sp>
-      <p:sp>
-        <p:nvSpPr>
-          <p:cNvPr id="4" name="Rectangle 3"/>
-          <p:cNvSpPr/>
-          <p:nvPr/>
-        </p:nvSpPr>
-        <p:spPr>
-          <a:xfrm>
-            <a:off x="6650628" y="5293619"/>
-            <a:ext cx="5253318" cy="1384995"/>
-          </a:xfrm>
-          <a:prstGeom prst="rect">
-            <a:avLst/>
-          </a:prstGeom>
-        </p:spPr>
-        <p:txBody>
-          <a:bodyPr wrap="square">
-            <a:spAutoFit/>
-          </a:bodyPr>
-          <a:lstStyle/>
-          <a:p>
-            <a:r>
-              <a:rPr lang="en-US" sz="2800" dirty="0" err="1">
-                <a:solidFill>
-                  <a:srgbClr val="0000FF"/>
-                </a:solidFill>
-                <a:highlight>
-                  <a:srgbClr val="FFFFFF"/>
-                </a:highlight>
-                <a:latin typeface="Consolas" panose="020B0609020204030204" pitchFamily="49" charset="0"/>
-              </a:rPr>
-              <a:t>def</a:t>
-            </a:r>
-            <a:r>
-              <a:rPr lang="en-US" sz="2800" dirty="0">
-                <a:solidFill>
-                  <a:srgbClr val="000000"/>
-                </a:solidFill>
-                <a:highlight>
-                  <a:srgbClr val="FFFFFF"/>
-                </a:highlight>
-                <a:latin typeface="Consolas" panose="020B0609020204030204" pitchFamily="49" charset="0"/>
-              </a:rPr>
-              <a:t> </a:t>
-            </a:r>
-            <a:r>
-              <a:rPr lang="en-US" sz="2800" dirty="0" err="1">
-                <a:solidFill>
-                  <a:srgbClr val="000000"/>
-                </a:solidFill>
-                <a:highlight>
-                  <a:srgbClr val="FFFFFF"/>
-                </a:highlight>
-                <a:latin typeface="Consolas" panose="020B0609020204030204" pitchFamily="49" charset="0"/>
-              </a:rPr>
-              <a:t>printMessage</a:t>
-            </a:r>
-            <a:r>
-              <a:rPr lang="en-US" sz="2800" dirty="0">
-                <a:solidFill>
-                  <a:srgbClr val="000000"/>
-                </a:solidFill>
-                <a:highlight>
-                  <a:srgbClr val="FFFFFF"/>
-                </a:highlight>
-                <a:latin typeface="Consolas" panose="020B0609020204030204" pitchFamily="49" charset="0"/>
-              </a:rPr>
-              <a:t>():</a:t>
-            </a:r>
-          </a:p>
-          <a:p>
-            <a:r>
-              <a:rPr lang="en-US" sz="2800" dirty="0">
-                <a:solidFill>
-                  <a:srgbClr val="000000"/>
-                </a:solidFill>
-                <a:highlight>
-                  <a:srgbClr val="FFFFFF"/>
-                </a:highlight>
-                <a:latin typeface="Consolas" panose="020B0609020204030204" pitchFamily="49" charset="0"/>
-              </a:rPr>
-              <a:t>    print(</a:t>
-            </a:r>
-            <a:r>
-              <a:rPr lang="en-US" sz="2800" dirty="0">
-                <a:solidFill>
-                  <a:srgbClr val="A31515"/>
-                </a:solidFill>
-                <a:highlight>
-                  <a:srgbClr val="FFFFFF"/>
-                </a:highlight>
-                <a:latin typeface="Consolas" panose="020B0609020204030204" pitchFamily="49" charset="0"/>
-              </a:rPr>
-              <a:t>'Hello World'</a:t>
-            </a:r>
-            <a:r>
-              <a:rPr lang="en-US" sz="2800" dirty="0">
-                <a:solidFill>
-                  <a:srgbClr val="000000"/>
-                </a:solidFill>
-                <a:highlight>
-                  <a:srgbClr val="FFFFFF"/>
-                </a:highlight>
-                <a:latin typeface="Consolas" panose="020B0609020204030204" pitchFamily="49" charset="0"/>
-              </a:rPr>
-              <a:t>)</a:t>
-            </a:r>
-          </a:p>
-          <a:p>
-            <a:r>
-              <a:rPr lang="en-US" sz="2800" dirty="0">
-                <a:solidFill>
-                  <a:srgbClr val="000000"/>
-                </a:solidFill>
-                <a:highlight>
-                  <a:srgbClr val="FFFFFF"/>
-                </a:highlight>
-                <a:latin typeface="Consolas" panose="020B0609020204030204" pitchFamily="49" charset="0"/>
-              </a:rPr>
-              <a:t>    </a:t>
-            </a:r>
-            <a:r>
-              <a:rPr lang="en-US" sz="2800" dirty="0">
-                <a:solidFill>
-                  <a:srgbClr val="0000FF"/>
-                </a:solidFill>
-                <a:highlight>
-                  <a:srgbClr val="FFFFFF"/>
-                </a:highlight>
-                <a:latin typeface="Consolas" panose="020B0609020204030204" pitchFamily="49" charset="0"/>
-              </a:rPr>
-              <a:t>return</a:t>
-            </a:r>
-            <a:endParaRPr lang="en-US" sz="2800" dirty="0"/>
-          </a:p>
-        </p:txBody>
-      </p:sp>
-    </p:spTree>
-    <p:extLst>
-      <p:ext uri="{BB962C8B-B14F-4D97-AF65-F5344CB8AC3E}">
-        <p14:creationId xmlns:p14="http://schemas.microsoft.com/office/powerpoint/2010/main" val="3205837249"/>
-      </p:ext>
-    </p:extLst>
-  </p:cSld>
-  <p:clrMapOvr>
-    <a:masterClrMapping/>
-  </p:clrMapOvr>
-  <p:timing>
-    <p:tnLst>
-      <p:par>
-        <p:cTn id="1" dur="indefinite" restart="never" nodeType="tmRoot"/>
-      </p:par>
-    </p:tnLst>
-  </p:timing>
-</p:sld>
-</file>
-
 <file path=ppt/slides/slide9.xml><?xml version="1.0" encoding="utf-8"?>
 <p:sld xmlns:a="http://schemas.openxmlformats.org/drawingml/2006/main" xmlns:r="http://schemas.openxmlformats.org/officeDocument/2006/relationships" xmlns:p="http://schemas.openxmlformats.org/presentationml/2006/main">
   <p:cSld>
@@ -7959,7 +8255,7 @@
           <a:p>
             <a:r>
               <a:rPr lang="en-US" dirty="0" smtClean="0"/>
-              <a:t>How do you call a function?</a:t>
+              <a:t>How do you create a function?</a:t>
             </a:r>
             <a:endParaRPr lang="en-US" dirty="0"/>
           </a:p>
@@ -7982,7 +8278,38 @@
           <a:p>
             <a:r>
               <a:rPr lang="en-US" dirty="0" smtClean="0"/>
-              <a:t>Simply use its name</a:t>
+              <a:t>Use the keyword </a:t>
+            </a:r>
+            <a:r>
+              <a:rPr lang="en-US" dirty="0" err="1" smtClean="0"/>
+              <a:t>def</a:t>
+            </a:r>
+            <a:endParaRPr lang="en-US" dirty="0" smtClean="0"/>
+          </a:p>
+          <a:p>
+            <a:pPr lvl="1"/>
+            <a:r>
+              <a:rPr lang="en-US" dirty="0" smtClean="0"/>
+              <a:t>Short for define</a:t>
+            </a:r>
+          </a:p>
+          <a:p>
+            <a:r>
+              <a:rPr lang="en-US" dirty="0" smtClean="0"/>
+              <a:t>Give your function a name</a:t>
+            </a:r>
+          </a:p>
+          <a:p>
+            <a:pPr lvl="1"/>
+            <a:r>
+              <a:rPr lang="en-US" dirty="0" smtClean="0"/>
+              <a:t>You may also have parameter names (we will explain those shortly)</a:t>
+            </a:r>
+          </a:p>
+          <a:p>
+            <a:r>
+              <a:rPr lang="en-US" dirty="0" smtClean="0"/>
+              <a:t>Write the code in the body of the function</a:t>
             </a:r>
             <a:endParaRPr lang="en-US" dirty="0"/>
           </a:p>
@@ -7996,8 +8323,8 @@
         </p:nvSpPr>
         <p:spPr>
           <a:xfrm>
-            <a:off x="6320118" y="4431845"/>
-            <a:ext cx="5583828" cy="2246769"/>
+            <a:off x="6650628" y="5293619"/>
+            <a:ext cx="5253318" cy="1384995"/>
           </a:xfrm>
           <a:prstGeom prst="rect">
             <a:avLst/>
@@ -8121,52 +8448,6 @@
               </a:rPr>
               <a:t>return</a:t>
             </a:r>
-            <a:endParaRPr lang="en-US" sz="2800" dirty="0">
-              <a:solidFill>
-                <a:srgbClr val="000000"/>
-              </a:solidFill>
-              <a:highlight>
-                <a:srgbClr val="FFFFFF"/>
-              </a:highlight>
-              <a:latin typeface="Consolas" panose="020B0609020204030204" pitchFamily="49" charset="0"/>
-            </a:endParaRPr>
-          </a:p>
-          <a:p>
-            <a:endParaRPr lang="en-US" sz="2800" dirty="0">
-              <a:solidFill>
-                <a:srgbClr val="000000"/>
-              </a:solidFill>
-              <a:highlight>
-                <a:srgbClr val="FFFFFF"/>
-              </a:highlight>
-              <a:latin typeface="Consolas" panose="020B0609020204030204" pitchFamily="49" charset="0"/>
-            </a:endParaRPr>
-          </a:p>
-          <a:p>
-            <a:r>
-              <a:rPr lang="en-US" sz="2800" dirty="0" err="1">
-                <a:solidFill>
-                  <a:srgbClr val="000000"/>
-                </a:solidFill>
-                <a:highlight>
-                  <a:srgbClr val="FFFFFF"/>
-                </a:highlight>
-                <a:latin typeface="Consolas" panose="020B0609020204030204" pitchFamily="49" charset="0"/>
-              </a:rPr>
-              <a:t>printMessage</a:t>
-            </a:r>
-            <a:r>
-              <a:rPr lang="en-US" sz="2800" dirty="0">
-                <a:solidFill>
-                  <a:srgbClr val="000000"/>
-                </a:solidFill>
-                <a:highlight>
-                  <a:srgbClr val="FFFFFF"/>
-                </a:highlight>
-                <a:latin typeface="Consolas" panose="020B0609020204030204" pitchFamily="49" charset="0"/>
-              </a:rPr>
-              <a:t>()</a:t>
-            </a:r>
             <a:endParaRPr lang="en-US" sz="2800" dirty="0"/>
           </a:p>
         </p:txBody>
@@ -8174,7 +8455,7 @@
     </p:spTree>
     <p:extLst>
       <p:ext uri="{BB962C8B-B14F-4D97-AF65-F5344CB8AC3E}">
-        <p14:creationId xmlns:p14="http://schemas.microsoft.com/office/powerpoint/2010/main" val="1455366226"/>
+        <p14:creationId xmlns:p14="http://schemas.microsoft.com/office/powerpoint/2010/main" val="3205837249"/>
       </p:ext>
     </p:extLst>
   </p:cSld>

--- a/Office Docs/13 Functions.pptx
+++ b/Office Docs/13 Functions.pptx
@@ -7233,7 +7233,11 @@
           <a:p>
             <a:r>
               <a:rPr lang="en-US" sz="4000" dirty="0" smtClean="0"/>
-              <a:t>Introducing Functions</a:t>
+              <a:t>Introducing </a:t>
+            </a:r>
+            <a:r>
+              <a:rPr lang="en-US" sz="4000" dirty="0" smtClean="0"/>
+              <a:t>functions</a:t>
             </a:r>
             <a:endParaRPr lang="en-US" sz="4000" dirty="0"/>
           </a:p>
